--- a/Documentation/IOT-SMART-HOME-Firebot-and-light-automation.pptx
+++ b/Documentation/IOT-SMART-HOME-Firebot-and-light-automation.pptx
@@ -2,7 +2,7 @@
 <file path=ppt/presentation.xml><?xml version="1.0" encoding="utf-8"?>
 <p:presentation xmlns:a="http://schemas.openxmlformats.org/drawingml/2006/main" xmlns:r="http://schemas.openxmlformats.org/officeDocument/2006/relationships" xmlns:p="http://schemas.openxmlformats.org/presentationml/2006/main" saveSubsetFonts="1">
   <p:sldMasterIdLst>
-    <p:sldMasterId id="2147483695" r:id="rId1"/>
+    <p:sldMasterId id="2147483725" r:id="rId1"/>
   </p:sldMasterIdLst>
   <p:sldIdLst>
     <p:sldId id="256" r:id="rId2"/>
@@ -108,6 +108,11 @@
       </a:defRPr>
     </a:lvl9pPr>
   </p:defaultTextStyle>
+  <p:extLst>
+    <p:ext uri="{EFAFB233-063F-42B5-8137-9DF3F51BA10A}">
+      <p15:sldGuideLst xmlns:p15="http://schemas.microsoft.com/office/powerpoint/2012/main"/>
+    </p:ext>
+  </p:extLst>
 </p:presentation>
 </file>
 
@@ -1656,14 +1661,14 @@
       </dgm:t>
     </dgm:pt>
     <dgm:pt modelId="{5DA5B7E1-9B4D-441B-8671-CFE1670B1D47}">
-      <dgm:prSet phldrT="[Text]"/>
+      <dgm:prSet phldrT="[Text]" custT="1"/>
       <dgm:spPr/>
       <dgm:t>
         <a:bodyPr/>
         <a:lstStyle/>
         <a:p>
           <a:r>
-            <a:rPr lang="en-IN" dirty="0"/>
+            <a:rPr lang="en-IN" sz="2200" dirty="0"/>
             <a:t>Raspberry Pi</a:t>
           </a:r>
         </a:p>
@@ -1727,42 +1732,6 @@
         </a:p>
       </dgm:t>
     </dgm:pt>
-    <dgm:pt modelId="{3027D80C-328A-46C2-AC26-49FC2C7C1B05}">
-      <dgm:prSet phldrT="[Text]"/>
-      <dgm:spPr/>
-      <dgm:t>
-        <a:bodyPr/>
-        <a:lstStyle/>
-        <a:p>
-          <a:r>
-            <a:rPr lang="en-IN" dirty="0"/>
-            <a:t>Fire-bot</a:t>
-          </a:r>
-        </a:p>
-      </dgm:t>
-    </dgm:pt>
-    <dgm:pt modelId="{E040C371-7C07-4A46-A1CE-0AC8A6EECFD1}" type="parTrans" cxnId="{F3B30D10-E205-40BB-A181-8A598828D470}">
-      <dgm:prSet/>
-      <dgm:spPr/>
-      <dgm:t>
-        <a:bodyPr/>
-        <a:lstStyle/>
-        <a:p>
-          <a:endParaRPr lang="en-IN"/>
-        </a:p>
-      </dgm:t>
-    </dgm:pt>
-    <dgm:pt modelId="{CA118422-A1A9-4576-830F-C533220DFA15}" type="sibTrans" cxnId="{F3B30D10-E205-40BB-A181-8A598828D470}">
-      <dgm:prSet/>
-      <dgm:spPr/>
-      <dgm:t>
-        <a:bodyPr/>
-        <a:lstStyle/>
-        <a:p>
-          <a:endParaRPr lang="en-IN"/>
-        </a:p>
-      </dgm:t>
-    </dgm:pt>
     <dgm:pt modelId="{330425D8-D1F4-45F9-B881-6BA4E8C30549}">
       <dgm:prSet phldrT="[Text]"/>
       <dgm:spPr/>
@@ -1771,9 +1740,10 @@
         <a:lstStyle/>
         <a:p>
           <a:r>
-            <a:rPr lang="en-IN" dirty="0"/>
-            <a:t>Mobile phone</a:t>
+            <a:rPr lang="en-IN" dirty="0" smtClean="0"/>
+            <a:t>Firebot</a:t>
           </a:r>
+          <a:endParaRPr lang="en-IN" dirty="0"/>
         </a:p>
       </dgm:t>
     </dgm:pt>
@@ -1799,6 +1769,43 @@
         </a:p>
       </dgm:t>
     </dgm:pt>
+    <dgm:pt modelId="{E75C62E8-C86E-4DDF-98BB-95E2925BC518}">
+      <dgm:prSet custT="1"/>
+      <dgm:spPr/>
+      <dgm:t>
+        <a:bodyPr/>
+        <a:lstStyle/>
+        <a:p>
+          <a:r>
+            <a:rPr lang="en-US" sz="2200" dirty="0" smtClean="0"/>
+            <a:t>Mobile Phone</a:t>
+          </a:r>
+          <a:endParaRPr lang="en-US" sz="2200" dirty="0"/>
+        </a:p>
+      </dgm:t>
+    </dgm:pt>
+    <dgm:pt modelId="{4DAD7412-04B0-4A89-A94F-08022B0E7BF4}" type="parTrans" cxnId="{46176A04-9B83-4031-8A19-AFFC0BA6B225}">
+      <dgm:prSet/>
+      <dgm:spPr/>
+      <dgm:t>
+        <a:bodyPr/>
+        <a:lstStyle/>
+        <a:p>
+          <a:endParaRPr lang="en-US"/>
+        </a:p>
+      </dgm:t>
+    </dgm:pt>
+    <dgm:pt modelId="{5119C2EA-ED5B-4414-9879-EDC73AA366F9}" type="sibTrans" cxnId="{46176A04-9B83-4031-8A19-AFFC0BA6B225}">
+      <dgm:prSet/>
+      <dgm:spPr/>
+      <dgm:t>
+        <a:bodyPr/>
+        <a:lstStyle/>
+        <a:p>
+          <a:endParaRPr lang="en-US"/>
+        </a:p>
+      </dgm:t>
+    </dgm:pt>
     <dgm:pt modelId="{1DA59C19-2015-4A68-AB5B-CE0E3FB4A72A}" type="pres">
       <dgm:prSet presAssocID="{79550698-E5E1-4236-826F-FC9843C59BE4}" presName="diagram" presStyleCnt="0">
         <dgm:presLayoutVars>
@@ -1807,6 +1814,13 @@
         </dgm:presLayoutVars>
       </dgm:prSet>
       <dgm:spPr/>
+      <dgm:t>
+        <a:bodyPr/>
+        <a:lstStyle/>
+        <a:p>
+          <a:endParaRPr lang="en-US"/>
+        </a:p>
+      </dgm:t>
     </dgm:pt>
     <dgm:pt modelId="{BC167AEB-6EDA-439B-96BE-07A483E43487}" type="pres">
       <dgm:prSet presAssocID="{EDAFAEAD-A953-40D9-8EFB-CB21DD1C3618}" presName="node" presStyleLbl="node1" presStyleIdx="0" presStyleCnt="5">
@@ -1815,14 +1829,35 @@
         </dgm:presLayoutVars>
       </dgm:prSet>
       <dgm:spPr/>
+      <dgm:t>
+        <a:bodyPr/>
+        <a:lstStyle/>
+        <a:p>
+          <a:endParaRPr lang="en-US"/>
+        </a:p>
+      </dgm:t>
     </dgm:pt>
     <dgm:pt modelId="{78A3DC04-3497-4902-AF98-68282BC6C03A}" type="pres">
       <dgm:prSet presAssocID="{F98CF3DA-0F5B-4E56-B493-EBFAA66FF6AC}" presName="sibTrans" presStyleLbl="sibTrans2D1" presStyleIdx="0" presStyleCnt="4"/>
       <dgm:spPr/>
+      <dgm:t>
+        <a:bodyPr/>
+        <a:lstStyle/>
+        <a:p>
+          <a:endParaRPr lang="en-US"/>
+        </a:p>
+      </dgm:t>
     </dgm:pt>
     <dgm:pt modelId="{E7DC1036-F1BE-4C9F-871B-29AEF0003E78}" type="pres">
       <dgm:prSet presAssocID="{F98CF3DA-0F5B-4E56-B493-EBFAA66FF6AC}" presName="connectorText" presStyleLbl="sibTrans2D1" presStyleIdx="0" presStyleCnt="4"/>
       <dgm:spPr/>
+      <dgm:t>
+        <a:bodyPr/>
+        <a:lstStyle/>
+        <a:p>
+          <a:endParaRPr lang="en-US"/>
+        </a:p>
+      </dgm:t>
     </dgm:pt>
     <dgm:pt modelId="{95E11F7A-C38A-4480-9BAE-3842FA5B6BAD}" type="pres">
       <dgm:prSet presAssocID="{5DA5B7E1-9B4D-441B-8671-CFE1670B1D47}" presName="node" presStyleLbl="node1" presStyleIdx="1" presStyleCnt="5">
@@ -1831,14 +1866,39 @@
         </dgm:presLayoutVars>
       </dgm:prSet>
       <dgm:spPr/>
+      <dgm:t>
+        <a:bodyPr/>
+        <a:lstStyle/>
+        <a:p>
+          <a:endParaRPr lang="en-US"/>
+        </a:p>
+      </dgm:t>
     </dgm:pt>
     <dgm:pt modelId="{FEF8AE67-254E-4138-9C61-EDD3879FCBF5}" type="pres">
-      <dgm:prSet presAssocID="{9DF9B6C0-9ADB-4F96-9762-79685057A34B}" presName="sibTrans" presStyleLbl="sibTrans2D1" presStyleIdx="1" presStyleCnt="4"/>
-      <dgm:spPr/>
+      <dgm:prSet presAssocID="{9DF9B6C0-9ADB-4F96-9762-79685057A34B}" presName="sibTrans" presStyleLbl="sibTrans2D1" presStyleIdx="1" presStyleCnt="4" custScaleX="181172"/>
+      <dgm:spPr>
+        <a:prstGeom prst="leftRightArrow">
+          <a:avLst/>
+        </a:prstGeom>
+      </dgm:spPr>
+      <dgm:t>
+        <a:bodyPr/>
+        <a:lstStyle/>
+        <a:p>
+          <a:endParaRPr lang="en-US"/>
+        </a:p>
+      </dgm:t>
     </dgm:pt>
     <dgm:pt modelId="{BE3087A1-0449-4776-AB81-EA9893A91C18}" type="pres">
       <dgm:prSet presAssocID="{9DF9B6C0-9ADB-4F96-9762-79685057A34B}" presName="connectorText" presStyleLbl="sibTrans2D1" presStyleIdx="1" presStyleCnt="4"/>
       <dgm:spPr/>
+      <dgm:t>
+        <a:bodyPr/>
+        <a:lstStyle/>
+        <a:p>
+          <a:endParaRPr lang="en-US"/>
+        </a:p>
+      </dgm:t>
     </dgm:pt>
     <dgm:pt modelId="{FC588FA0-AA79-428B-8EAA-D7370F1945C1}" type="pres">
       <dgm:prSet presAssocID="{DA1B01F4-8B0B-43C5-A4C6-F4619D499AEE}" presName="node" presStyleLbl="node1" presStyleIdx="2" presStyleCnt="5">
@@ -1847,60 +1907,95 @@
         </dgm:presLayoutVars>
       </dgm:prSet>
       <dgm:spPr/>
+      <dgm:t>
+        <a:bodyPr/>
+        <a:lstStyle/>
+        <a:p>
+          <a:endParaRPr lang="en-US"/>
+        </a:p>
+      </dgm:t>
     </dgm:pt>
     <dgm:pt modelId="{F14C4CE9-8C36-4338-979F-695F59B79844}" type="pres">
       <dgm:prSet presAssocID="{D935C3DF-04A6-4603-94DA-B3E8CE33C220}" presName="sibTrans" presStyleLbl="sibTrans2D1" presStyleIdx="2" presStyleCnt="4"/>
       <dgm:spPr/>
+      <dgm:t>
+        <a:bodyPr/>
+        <a:lstStyle/>
+        <a:p>
+          <a:endParaRPr lang="en-US"/>
+        </a:p>
+      </dgm:t>
     </dgm:pt>
     <dgm:pt modelId="{6A316665-6D1A-4C54-993C-29BA200DB135}" type="pres">
       <dgm:prSet presAssocID="{D935C3DF-04A6-4603-94DA-B3E8CE33C220}" presName="connectorText" presStyleLbl="sibTrans2D1" presStyleIdx="2" presStyleCnt="4"/>
       <dgm:spPr/>
+      <dgm:t>
+        <a:bodyPr/>
+        <a:lstStyle/>
+        <a:p>
+          <a:endParaRPr lang="en-US"/>
+        </a:p>
+      </dgm:t>
     </dgm:pt>
-    <dgm:pt modelId="{012227F6-C69C-42F6-A649-268AFC521AE4}" type="pres">
-      <dgm:prSet presAssocID="{3027D80C-328A-46C2-AC26-49FC2C7C1B05}" presName="node" presStyleLbl="node1" presStyleIdx="3" presStyleCnt="5">
+    <dgm:pt modelId="{29E92719-BAF7-4D77-A3C3-AADB5F9AD43A}" type="pres">
+      <dgm:prSet presAssocID="{E75C62E8-C86E-4DDF-98BB-95E2925BC518}" presName="node" presStyleLbl="node1" presStyleIdx="3" presStyleCnt="5">
         <dgm:presLayoutVars>
           <dgm:bulletEnabled val="1"/>
         </dgm:presLayoutVars>
       </dgm:prSet>
       <dgm:spPr/>
+      <dgm:t>
+        <a:bodyPr/>
+        <a:lstStyle/>
+        <a:p>
+          <a:endParaRPr lang="en-US"/>
+        </a:p>
+      </dgm:t>
     </dgm:pt>
-    <dgm:pt modelId="{69DECA83-A771-47BC-97D9-4D732BBE0503}" type="pres">
-      <dgm:prSet presAssocID="{CA118422-A1A9-4576-830F-C533220DFA15}" presName="sibTrans" presStyleLbl="sibTrans2D1" presStyleIdx="3" presStyleCnt="4"/>
+    <dgm:pt modelId="{C98B66A3-B538-4755-8E9C-8FBBD957AF3C}" type="pres">
+      <dgm:prSet presAssocID="{5119C2EA-ED5B-4414-9879-EDC73AA366F9}" presName="sibTrans" presStyleLbl="sibTrans2D1" presStyleIdx="3" presStyleCnt="4" custAng="14106145" custFlipHor="1" custScaleX="91635" custScaleY="89531" custLinFactX="100000" custLinFactNeighborX="101923" custLinFactNeighborY="2158"/>
       <dgm:spPr/>
     </dgm:pt>
-    <dgm:pt modelId="{431168B8-AD6F-469A-8A5B-D04CA4A6623A}" type="pres">
-      <dgm:prSet presAssocID="{CA118422-A1A9-4576-830F-C533220DFA15}" presName="connectorText" presStyleLbl="sibTrans2D1" presStyleIdx="3" presStyleCnt="4"/>
+    <dgm:pt modelId="{B4BA6359-A867-4DDA-B369-5480781F9223}" type="pres">
+      <dgm:prSet presAssocID="{5119C2EA-ED5B-4414-9879-EDC73AA366F9}" presName="connectorText" presStyleLbl="sibTrans2D1" presStyleIdx="3" presStyleCnt="4"/>
       <dgm:spPr/>
     </dgm:pt>
     <dgm:pt modelId="{EE8DAAE9-044C-456D-A7E7-47C43183E8FA}" type="pres">
-      <dgm:prSet presAssocID="{330425D8-D1F4-45F9-B881-6BA4E8C30549}" presName="node" presStyleLbl="node1" presStyleIdx="4" presStyleCnt="5">
+      <dgm:prSet presAssocID="{330425D8-D1F4-45F9-B881-6BA4E8C30549}" presName="node" presStyleLbl="node1" presStyleIdx="4" presStyleCnt="5" custLinFactX="43443" custLinFactNeighborX="100000" custLinFactNeighborY="97">
         <dgm:presLayoutVars>
           <dgm:bulletEnabled val="1"/>
         </dgm:presLayoutVars>
       </dgm:prSet>
       <dgm:spPr/>
+      <dgm:t>
+        <a:bodyPr/>
+        <a:lstStyle/>
+        <a:p>
+          <a:endParaRPr lang="en-US"/>
+        </a:p>
+      </dgm:t>
     </dgm:pt>
   </dgm:ptLst>
   <dgm:cxnLst>
+    <dgm:cxn modelId="{CE9ED2E9-17CD-4C0B-90EA-1DA1B1E4146B}" type="presOf" srcId="{79550698-E5E1-4236-826F-FC9843C59BE4}" destId="{1DA59C19-2015-4A68-AB5B-CE0E3FB4A72A}" srcOrd="0" destOrd="0" presId="urn:microsoft.com/office/officeart/2005/8/layout/process5"/>
+    <dgm:cxn modelId="{3D603221-1748-475F-B6F6-947A747C9F84}" type="presOf" srcId="{5119C2EA-ED5B-4414-9879-EDC73AA366F9}" destId="{C98B66A3-B538-4755-8E9C-8FBBD957AF3C}" srcOrd="0" destOrd="0" presId="urn:microsoft.com/office/officeart/2005/8/layout/process5"/>
+    <dgm:cxn modelId="{B234560F-DCC6-4C2B-912B-3AFC20390007}" srcId="{79550698-E5E1-4236-826F-FC9843C59BE4}" destId="{EDAFAEAD-A953-40D9-8EFB-CB21DD1C3618}" srcOrd="0" destOrd="0" parTransId="{29A47A24-2C5C-4BC0-8F3A-A67CFDA6A61D}" sibTransId="{F98CF3DA-0F5B-4E56-B493-EBFAA66FF6AC}"/>
+    <dgm:cxn modelId="{8758221A-91F1-42E7-AFE9-1F78EED6F09D}" type="presOf" srcId="{9DF9B6C0-9ADB-4F96-9762-79685057A34B}" destId="{FEF8AE67-254E-4138-9C61-EDD3879FCBF5}" srcOrd="0" destOrd="0" presId="urn:microsoft.com/office/officeart/2005/8/layout/process5"/>
+    <dgm:cxn modelId="{BDD5BD61-9FE4-462B-BC86-B9D0EBEBC6EB}" type="presOf" srcId="{E75C62E8-C86E-4DDF-98BB-95E2925BC518}" destId="{29E92719-BAF7-4D77-A3C3-AADB5F9AD43A}" srcOrd="0" destOrd="0" presId="urn:microsoft.com/office/officeart/2005/8/layout/process5"/>
+    <dgm:cxn modelId="{F776759B-773D-4B3D-8EA2-171F83E6DC14}" type="presOf" srcId="{F98CF3DA-0F5B-4E56-B493-EBFAA66FF6AC}" destId="{78A3DC04-3497-4902-AF98-68282BC6C03A}" srcOrd="0" destOrd="0" presId="urn:microsoft.com/office/officeart/2005/8/layout/process5"/>
+    <dgm:cxn modelId="{0E5FDC8B-25CF-41DD-B372-6E0D69B82892}" srcId="{79550698-E5E1-4236-826F-FC9843C59BE4}" destId="{DA1B01F4-8B0B-43C5-A4C6-F4619D499AEE}" srcOrd="2" destOrd="0" parTransId="{5F2B4C44-9ED6-4637-A567-DEF526A66C58}" sibTransId="{D935C3DF-04A6-4603-94DA-B3E8CE33C220}"/>
+    <dgm:cxn modelId="{46176A04-9B83-4031-8A19-AFFC0BA6B225}" srcId="{79550698-E5E1-4236-826F-FC9843C59BE4}" destId="{E75C62E8-C86E-4DDF-98BB-95E2925BC518}" srcOrd="3" destOrd="0" parTransId="{4DAD7412-04B0-4A89-A94F-08022B0E7BF4}" sibTransId="{5119C2EA-ED5B-4414-9879-EDC73AA366F9}"/>
+    <dgm:cxn modelId="{190DDE85-AAB0-44D5-953B-EE83E48A88EB}" type="presOf" srcId="{5119C2EA-ED5B-4414-9879-EDC73AA366F9}" destId="{B4BA6359-A867-4DDA-B369-5480781F9223}" srcOrd="1" destOrd="0" presId="urn:microsoft.com/office/officeart/2005/8/layout/process5"/>
+    <dgm:cxn modelId="{B4D0A22C-B13C-4F56-95EF-006BDBB84084}" type="presOf" srcId="{D935C3DF-04A6-4603-94DA-B3E8CE33C220}" destId="{F14C4CE9-8C36-4338-979F-695F59B79844}" srcOrd="0" destOrd="0" presId="urn:microsoft.com/office/officeart/2005/8/layout/process5"/>
+    <dgm:cxn modelId="{3ED7D880-903D-4C65-8B6C-EB95C99BC659}" srcId="{79550698-E5E1-4236-826F-FC9843C59BE4}" destId="{330425D8-D1F4-45F9-B881-6BA4E8C30549}" srcOrd="4" destOrd="0" parTransId="{46F8E9C1-9407-484A-941F-D70E6CC51BB2}" sibTransId="{57B71C3F-0CBD-4B9C-B399-7815E2252CFE}"/>
+    <dgm:cxn modelId="{D00C3BCD-89F9-4CDD-AC44-56D16961CC64}" type="presOf" srcId="{9DF9B6C0-9ADB-4F96-9762-79685057A34B}" destId="{BE3087A1-0449-4776-AB81-EA9893A91C18}" srcOrd="1" destOrd="0" presId="urn:microsoft.com/office/officeart/2005/8/layout/process5"/>
     <dgm:cxn modelId="{E6D2490C-85C7-4EE7-B0A9-D1593D6000FB}" type="presOf" srcId="{D935C3DF-04A6-4603-94DA-B3E8CE33C220}" destId="{6A316665-6D1A-4C54-993C-29BA200DB135}" srcOrd="1" destOrd="0" presId="urn:microsoft.com/office/officeart/2005/8/layout/process5"/>
-    <dgm:cxn modelId="{B234560F-DCC6-4C2B-912B-3AFC20390007}" srcId="{79550698-E5E1-4236-826F-FC9843C59BE4}" destId="{EDAFAEAD-A953-40D9-8EFB-CB21DD1C3618}" srcOrd="0" destOrd="0" parTransId="{29A47A24-2C5C-4BC0-8F3A-A67CFDA6A61D}" sibTransId="{F98CF3DA-0F5B-4E56-B493-EBFAA66FF6AC}"/>
-    <dgm:cxn modelId="{F3B30D10-E205-40BB-A181-8A598828D470}" srcId="{79550698-E5E1-4236-826F-FC9843C59BE4}" destId="{3027D80C-328A-46C2-AC26-49FC2C7C1B05}" srcOrd="3" destOrd="0" parTransId="{E040C371-7C07-4A46-A1CE-0AC8A6EECFD1}" sibTransId="{CA118422-A1A9-4576-830F-C533220DFA15}"/>
-    <dgm:cxn modelId="{8758221A-91F1-42E7-AFE9-1F78EED6F09D}" type="presOf" srcId="{9DF9B6C0-9ADB-4F96-9762-79685057A34B}" destId="{FEF8AE67-254E-4138-9C61-EDD3879FCBF5}" srcOrd="0" destOrd="0" presId="urn:microsoft.com/office/officeart/2005/8/layout/process5"/>
+    <dgm:cxn modelId="{871871FA-D726-4604-B478-6CE6B3F2C058}" type="presOf" srcId="{F98CF3DA-0F5B-4E56-B493-EBFAA66FF6AC}" destId="{E7DC1036-F1BE-4C9F-871B-29AEF0003E78}" srcOrd="1" destOrd="0" presId="urn:microsoft.com/office/officeart/2005/8/layout/process5"/>
     <dgm:cxn modelId="{D299961B-1476-4868-B622-AF29845FF321}" type="presOf" srcId="{EDAFAEAD-A953-40D9-8EFB-CB21DD1C3618}" destId="{BC167AEB-6EDA-439B-96BE-07A483E43487}" srcOrd="0" destOrd="0" presId="urn:microsoft.com/office/officeart/2005/8/layout/process5"/>
-    <dgm:cxn modelId="{B4D0A22C-B13C-4F56-95EF-006BDBB84084}" type="presOf" srcId="{D935C3DF-04A6-4603-94DA-B3E8CE33C220}" destId="{F14C4CE9-8C36-4338-979F-695F59B79844}" srcOrd="0" destOrd="0" presId="urn:microsoft.com/office/officeart/2005/8/layout/process5"/>
-    <dgm:cxn modelId="{CB99A937-56ED-4018-A9E3-AE7981821160}" type="presOf" srcId="{CA118422-A1A9-4576-830F-C533220DFA15}" destId="{431168B8-AD6F-469A-8A5B-D04CA4A6623A}" srcOrd="1" destOrd="0" presId="urn:microsoft.com/office/officeart/2005/8/layout/process5"/>
-    <dgm:cxn modelId="{3ED7D880-903D-4C65-8B6C-EB95C99BC659}" srcId="{79550698-E5E1-4236-826F-FC9843C59BE4}" destId="{330425D8-D1F4-45F9-B881-6BA4E8C30549}" srcOrd="4" destOrd="0" parTransId="{46F8E9C1-9407-484A-941F-D70E6CC51BB2}" sibTransId="{57B71C3F-0CBD-4B9C-B399-7815E2252CFE}"/>
     <dgm:cxn modelId="{BF91DD89-A4BD-499D-8DD6-CE2329BA5811}" type="presOf" srcId="{330425D8-D1F4-45F9-B881-6BA4E8C30549}" destId="{EE8DAAE9-044C-456D-A7E7-47C43183E8FA}" srcOrd="0" destOrd="0" presId="urn:microsoft.com/office/officeart/2005/8/layout/process5"/>
-    <dgm:cxn modelId="{0E5FDC8B-25CF-41DD-B372-6E0D69B82892}" srcId="{79550698-E5E1-4236-826F-FC9843C59BE4}" destId="{DA1B01F4-8B0B-43C5-A4C6-F4619D499AEE}" srcOrd="2" destOrd="0" parTransId="{5F2B4C44-9ED6-4637-A567-DEF526A66C58}" sibTransId="{D935C3DF-04A6-4603-94DA-B3E8CE33C220}"/>
-    <dgm:cxn modelId="{A9070297-E1C8-4A91-A7AE-C8EEBC6AC9AA}" type="presOf" srcId="{CA118422-A1A9-4576-830F-C533220DFA15}" destId="{69DECA83-A771-47BC-97D9-4D732BBE0503}" srcOrd="0" destOrd="0" presId="urn:microsoft.com/office/officeart/2005/8/layout/process5"/>
-    <dgm:cxn modelId="{F776759B-773D-4B3D-8EA2-171F83E6DC14}" type="presOf" srcId="{F98CF3DA-0F5B-4E56-B493-EBFAA66FF6AC}" destId="{78A3DC04-3497-4902-AF98-68282BC6C03A}" srcOrd="0" destOrd="0" presId="urn:microsoft.com/office/officeart/2005/8/layout/process5"/>
     <dgm:cxn modelId="{5AA8E49C-9C60-4B76-B493-BB7745D6CBF8}" srcId="{79550698-E5E1-4236-826F-FC9843C59BE4}" destId="{5DA5B7E1-9B4D-441B-8671-CFE1670B1D47}" srcOrd="1" destOrd="0" parTransId="{53A8F51E-1A7A-47E9-B0D4-BA7C829C9228}" sibTransId="{9DF9B6C0-9ADB-4F96-9762-79685057A34B}"/>
+    <dgm:cxn modelId="{0C57CAC0-4B6F-4D20-9AEF-270B5F0212C5}" type="presOf" srcId="{5DA5B7E1-9B4D-441B-8671-CFE1670B1D47}" destId="{95E11F7A-C38A-4480-9BAE-3842FA5B6BAD}" srcOrd="0" destOrd="0" presId="urn:microsoft.com/office/officeart/2005/8/layout/process5"/>
     <dgm:cxn modelId="{20D770B0-70D2-4933-A568-85475232FDD3}" type="presOf" srcId="{DA1B01F4-8B0B-43C5-A4C6-F4619D499AEE}" destId="{FC588FA0-AA79-428B-8EAA-D7370F1945C1}" srcOrd="0" destOrd="0" presId="urn:microsoft.com/office/officeart/2005/8/layout/process5"/>
-    <dgm:cxn modelId="{0C57CAC0-4B6F-4D20-9AEF-270B5F0212C5}" type="presOf" srcId="{5DA5B7E1-9B4D-441B-8671-CFE1670B1D47}" destId="{95E11F7A-C38A-4480-9BAE-3842FA5B6BAD}" srcOrd="0" destOrd="0" presId="urn:microsoft.com/office/officeart/2005/8/layout/process5"/>
-    <dgm:cxn modelId="{D00C3BCD-89F9-4CDD-AC44-56D16961CC64}" type="presOf" srcId="{9DF9B6C0-9ADB-4F96-9762-79685057A34B}" destId="{BE3087A1-0449-4776-AB81-EA9893A91C18}" srcOrd="1" destOrd="0" presId="urn:microsoft.com/office/officeart/2005/8/layout/process5"/>
-    <dgm:cxn modelId="{3CEDF6D9-751A-4C57-A49D-694D6956D2B8}" type="presOf" srcId="{3027D80C-328A-46C2-AC26-49FC2C7C1B05}" destId="{012227F6-C69C-42F6-A649-268AFC521AE4}" srcOrd="0" destOrd="0" presId="urn:microsoft.com/office/officeart/2005/8/layout/process5"/>
-    <dgm:cxn modelId="{CE9ED2E9-17CD-4C0B-90EA-1DA1B1E4146B}" type="presOf" srcId="{79550698-E5E1-4236-826F-FC9843C59BE4}" destId="{1DA59C19-2015-4A68-AB5B-CE0E3FB4A72A}" srcOrd="0" destOrd="0" presId="urn:microsoft.com/office/officeart/2005/8/layout/process5"/>
-    <dgm:cxn modelId="{871871FA-D726-4604-B478-6CE6B3F2C058}" type="presOf" srcId="{F98CF3DA-0F5B-4E56-B493-EBFAA66FF6AC}" destId="{E7DC1036-F1BE-4C9F-871B-29AEF0003E78}" srcOrd="1" destOrd="0" presId="urn:microsoft.com/office/officeart/2005/8/layout/process5"/>
     <dgm:cxn modelId="{6E1F23CD-16D4-47B0-AFE9-96AD640DFF00}" type="presParOf" srcId="{1DA59C19-2015-4A68-AB5B-CE0E3FB4A72A}" destId="{BC167AEB-6EDA-439B-96BE-07A483E43487}" srcOrd="0" destOrd="0" presId="urn:microsoft.com/office/officeart/2005/8/layout/process5"/>
     <dgm:cxn modelId="{A8A18762-F296-404B-B88D-06512E47FE1C}" type="presParOf" srcId="{1DA59C19-2015-4A68-AB5B-CE0E3FB4A72A}" destId="{78A3DC04-3497-4902-AF98-68282BC6C03A}" srcOrd="1" destOrd="0" presId="urn:microsoft.com/office/officeart/2005/8/layout/process5"/>
     <dgm:cxn modelId="{CF34BD4F-43D3-43E6-8723-4BFEFF0FF74D}" type="presParOf" srcId="{78A3DC04-3497-4902-AF98-68282BC6C03A}" destId="{E7DC1036-F1BE-4C9F-871B-29AEF0003E78}" srcOrd="0" destOrd="0" presId="urn:microsoft.com/office/officeart/2005/8/layout/process5"/>
@@ -1910,9 +2005,9 @@
     <dgm:cxn modelId="{DCCB5656-A295-4F00-B0ED-90928A0632D1}" type="presParOf" srcId="{1DA59C19-2015-4A68-AB5B-CE0E3FB4A72A}" destId="{FC588FA0-AA79-428B-8EAA-D7370F1945C1}" srcOrd="4" destOrd="0" presId="urn:microsoft.com/office/officeart/2005/8/layout/process5"/>
     <dgm:cxn modelId="{170B6B52-D0FC-403F-A98F-3BDFD1EE615F}" type="presParOf" srcId="{1DA59C19-2015-4A68-AB5B-CE0E3FB4A72A}" destId="{F14C4CE9-8C36-4338-979F-695F59B79844}" srcOrd="5" destOrd="0" presId="urn:microsoft.com/office/officeart/2005/8/layout/process5"/>
     <dgm:cxn modelId="{59129DAC-5C52-451E-A77B-6CBF0C4C7AF0}" type="presParOf" srcId="{F14C4CE9-8C36-4338-979F-695F59B79844}" destId="{6A316665-6D1A-4C54-993C-29BA200DB135}" srcOrd="0" destOrd="0" presId="urn:microsoft.com/office/officeart/2005/8/layout/process5"/>
-    <dgm:cxn modelId="{F0BCC54D-A813-4088-85D1-CC401B51D8D2}" type="presParOf" srcId="{1DA59C19-2015-4A68-AB5B-CE0E3FB4A72A}" destId="{012227F6-C69C-42F6-A649-268AFC521AE4}" srcOrd="6" destOrd="0" presId="urn:microsoft.com/office/officeart/2005/8/layout/process5"/>
-    <dgm:cxn modelId="{EB9CB1C6-D559-434F-9A27-B0C961AE4CC7}" type="presParOf" srcId="{1DA59C19-2015-4A68-AB5B-CE0E3FB4A72A}" destId="{69DECA83-A771-47BC-97D9-4D732BBE0503}" srcOrd="7" destOrd="0" presId="urn:microsoft.com/office/officeart/2005/8/layout/process5"/>
-    <dgm:cxn modelId="{7C81215E-B717-43E0-8038-53074549A381}" type="presParOf" srcId="{69DECA83-A771-47BC-97D9-4D732BBE0503}" destId="{431168B8-AD6F-469A-8A5B-D04CA4A6623A}" srcOrd="0" destOrd="0" presId="urn:microsoft.com/office/officeart/2005/8/layout/process5"/>
+    <dgm:cxn modelId="{846638AA-4929-49A6-A2C6-66AD98F19FCA}" type="presParOf" srcId="{1DA59C19-2015-4A68-AB5B-CE0E3FB4A72A}" destId="{29E92719-BAF7-4D77-A3C3-AADB5F9AD43A}" srcOrd="6" destOrd="0" presId="urn:microsoft.com/office/officeart/2005/8/layout/process5"/>
+    <dgm:cxn modelId="{3420B356-999C-45D5-AA42-7554798FDCDB}" type="presParOf" srcId="{1DA59C19-2015-4A68-AB5B-CE0E3FB4A72A}" destId="{C98B66A3-B538-4755-8E9C-8FBBD957AF3C}" srcOrd="7" destOrd="0" presId="urn:microsoft.com/office/officeart/2005/8/layout/process5"/>
+    <dgm:cxn modelId="{B46035D5-908D-47DB-A636-666EBEFAB80D}" type="presParOf" srcId="{C98B66A3-B538-4755-8E9C-8FBBD957AF3C}" destId="{B4BA6359-A867-4DDA-B369-5480781F9223}" srcOrd="0" destOrd="0" presId="urn:microsoft.com/office/officeart/2005/8/layout/process5"/>
     <dgm:cxn modelId="{6F60523D-264D-431E-9167-EE9A51DE9294}" type="presParOf" srcId="{1DA59C19-2015-4A68-AB5B-CE0E3FB4A72A}" destId="{EE8DAAE9-044C-456D-A7E7-47C43183E8FA}" srcOrd="8" destOrd="0" presId="urn:microsoft.com/office/officeart/2005/8/layout/process5"/>
   </dgm:cxnLst>
   <dgm:bg/>
@@ -2020,13 +2115,8 @@
         <a:p>
           <a:r>
             <a:rPr lang="en-IN" sz="2200" dirty="0"/>
-            <a:t>Firebase/ </a:t>
+            <a:t>Firebase/ Thingspeak</a:t>
           </a:r>
-          <a:r>
-            <a:rPr lang="en-IN" sz="2200" dirty="0" err="1"/>
-            <a:t>Thingspeak</a:t>
-          </a:r>
-          <a:endParaRPr lang="en-IN" sz="2200" dirty="0"/>
         </a:p>
       </dgm:t>
     </dgm:pt>
@@ -2105,15 +2195,7 @@
           </a:r>
           <a:r>
             <a:rPr lang="en-IN" sz="2200" dirty="0"/>
-            <a:t> (</a:t>
-          </a:r>
-          <a:r>
-            <a:rPr lang="en-IN" sz="2200" dirty="0" err="1"/>
-            <a:t>twilio</a:t>
-          </a:r>
-          <a:r>
-            <a:rPr lang="en-IN" sz="2200" dirty="0"/>
-            <a:t>)/ emails</a:t>
+            <a:t> (twilio)/ emails</a:t>
           </a:r>
         </a:p>
       </dgm:t>
@@ -2148,6 +2230,13 @@
         </dgm:presLayoutVars>
       </dgm:prSet>
       <dgm:spPr/>
+      <dgm:t>
+        <a:bodyPr/>
+        <a:lstStyle/>
+        <a:p>
+          <a:endParaRPr lang="en-US"/>
+        </a:p>
+      </dgm:t>
     </dgm:pt>
     <dgm:pt modelId="{DF71B0B5-F1F5-4037-9A3E-DB772AE969DD}" type="pres">
       <dgm:prSet presAssocID="{FF4DF19A-FCDF-4319-87B8-58D2FC6B82B0}" presName="node" presStyleLbl="node1" presStyleIdx="0" presStyleCnt="5">
@@ -2156,14 +2245,35 @@
         </dgm:presLayoutVars>
       </dgm:prSet>
       <dgm:spPr/>
+      <dgm:t>
+        <a:bodyPr/>
+        <a:lstStyle/>
+        <a:p>
+          <a:endParaRPr lang="en-US"/>
+        </a:p>
+      </dgm:t>
     </dgm:pt>
     <dgm:pt modelId="{FB522A7B-EB00-4BF4-B524-962474973FDB}" type="pres">
       <dgm:prSet presAssocID="{8EDC1B79-E251-4ABF-BDCF-32D39A02632B}" presName="sibTrans" presStyleLbl="sibTrans2D1" presStyleIdx="0" presStyleCnt="4"/>
       <dgm:spPr/>
+      <dgm:t>
+        <a:bodyPr/>
+        <a:lstStyle/>
+        <a:p>
+          <a:endParaRPr lang="en-US"/>
+        </a:p>
+      </dgm:t>
     </dgm:pt>
     <dgm:pt modelId="{EE7757F6-B714-4AA4-ABB6-9E91B712416B}" type="pres">
       <dgm:prSet presAssocID="{8EDC1B79-E251-4ABF-BDCF-32D39A02632B}" presName="connectorText" presStyleLbl="sibTrans2D1" presStyleIdx="0" presStyleCnt="4"/>
       <dgm:spPr/>
+      <dgm:t>
+        <a:bodyPr/>
+        <a:lstStyle/>
+        <a:p>
+          <a:endParaRPr lang="en-US"/>
+        </a:p>
+      </dgm:t>
     </dgm:pt>
     <dgm:pt modelId="{3A759FEB-66EA-4934-8F5C-9D882CCAFFAB}" type="pres">
       <dgm:prSet presAssocID="{2545D250-BFD5-481F-BA1D-7BEF6BBF1427}" presName="node" presStyleLbl="node1" presStyleIdx="1" presStyleCnt="5">
@@ -2172,14 +2282,39 @@
         </dgm:presLayoutVars>
       </dgm:prSet>
       <dgm:spPr/>
+      <dgm:t>
+        <a:bodyPr/>
+        <a:lstStyle/>
+        <a:p>
+          <a:endParaRPr lang="en-US"/>
+        </a:p>
+      </dgm:t>
     </dgm:pt>
     <dgm:pt modelId="{97821F69-0B45-448C-8E8A-AC4B1E272707}" type="pres">
-      <dgm:prSet presAssocID="{12D9B701-D2CD-464B-9D29-BAC82825D3CD}" presName="sibTrans" presStyleLbl="sibTrans2D1" presStyleIdx="1" presStyleCnt="4"/>
-      <dgm:spPr/>
+      <dgm:prSet presAssocID="{12D9B701-D2CD-464B-9D29-BAC82825D3CD}" presName="sibTrans" presStyleLbl="sibTrans2D1" presStyleIdx="1" presStyleCnt="4" custScaleX="191334"/>
+      <dgm:spPr>
+        <a:prstGeom prst="leftRightArrow">
+          <a:avLst/>
+        </a:prstGeom>
+      </dgm:spPr>
+      <dgm:t>
+        <a:bodyPr/>
+        <a:lstStyle/>
+        <a:p>
+          <a:endParaRPr lang="en-US"/>
+        </a:p>
+      </dgm:t>
     </dgm:pt>
     <dgm:pt modelId="{FC04ADFA-67FA-4BC8-A7D8-70E550CB8A67}" type="pres">
       <dgm:prSet presAssocID="{12D9B701-D2CD-464B-9D29-BAC82825D3CD}" presName="connectorText" presStyleLbl="sibTrans2D1" presStyleIdx="1" presStyleCnt="4"/>
       <dgm:spPr/>
+      <dgm:t>
+        <a:bodyPr/>
+        <a:lstStyle/>
+        <a:p>
+          <a:endParaRPr lang="en-US"/>
+        </a:p>
+      </dgm:t>
     </dgm:pt>
     <dgm:pt modelId="{5F0E0E36-B9D5-411F-A2EE-4A9D831C3336}" type="pres">
       <dgm:prSet presAssocID="{764764F7-A762-4109-B812-E29F8A565B9D}" presName="node" presStyleLbl="node1" presStyleIdx="2" presStyleCnt="5" custScaleX="110335">
@@ -2188,14 +2323,39 @@
         </dgm:presLayoutVars>
       </dgm:prSet>
       <dgm:spPr/>
+      <dgm:t>
+        <a:bodyPr/>
+        <a:lstStyle/>
+        <a:p>
+          <a:endParaRPr lang="en-US"/>
+        </a:p>
+      </dgm:t>
     </dgm:pt>
     <dgm:pt modelId="{E4AC00EC-9833-426E-AF4D-E6ACF6FAC684}" type="pres">
-      <dgm:prSet presAssocID="{54B9D642-A167-49B2-B247-39C75D612B7E}" presName="sibTrans" presStyleLbl="sibTrans2D1" presStyleIdx="2" presStyleCnt="4"/>
-      <dgm:spPr/>
+      <dgm:prSet presAssocID="{54B9D642-A167-49B2-B247-39C75D612B7E}" presName="sibTrans" presStyleLbl="sibTrans2D1" presStyleIdx="2" presStyleCnt="4" custScaleX="189725"/>
+      <dgm:spPr>
+        <a:prstGeom prst="leftRightArrow">
+          <a:avLst/>
+        </a:prstGeom>
+      </dgm:spPr>
+      <dgm:t>
+        <a:bodyPr/>
+        <a:lstStyle/>
+        <a:p>
+          <a:endParaRPr lang="en-US"/>
+        </a:p>
+      </dgm:t>
     </dgm:pt>
     <dgm:pt modelId="{B61DA4DE-C906-4EF6-AFBD-6841F91C0EC5}" type="pres">
       <dgm:prSet presAssocID="{54B9D642-A167-49B2-B247-39C75D612B7E}" presName="connectorText" presStyleLbl="sibTrans2D1" presStyleIdx="2" presStyleCnt="4"/>
       <dgm:spPr/>
+      <dgm:t>
+        <a:bodyPr/>
+        <a:lstStyle/>
+        <a:p>
+          <a:endParaRPr lang="en-US"/>
+        </a:p>
+      </dgm:t>
     </dgm:pt>
     <dgm:pt modelId="{440967BF-7E77-4A6F-AD1B-25AC45CD6984}" type="pres">
       <dgm:prSet presAssocID="{45A47992-5E65-49C5-8D70-7678C1439A23}" presName="node" presStyleLbl="node1" presStyleIdx="3" presStyleCnt="5">
@@ -2204,14 +2364,35 @@
         </dgm:presLayoutVars>
       </dgm:prSet>
       <dgm:spPr/>
+      <dgm:t>
+        <a:bodyPr/>
+        <a:lstStyle/>
+        <a:p>
+          <a:endParaRPr lang="en-US"/>
+        </a:p>
+      </dgm:t>
     </dgm:pt>
     <dgm:pt modelId="{B2F8FA17-094F-42A5-95F0-2A5CC0E058D0}" type="pres">
       <dgm:prSet presAssocID="{EEC904FD-F7BE-4A92-88CF-F406158E05A6}" presName="sibTrans" presStyleLbl="sibTrans2D1" presStyleIdx="3" presStyleCnt="4"/>
       <dgm:spPr/>
+      <dgm:t>
+        <a:bodyPr/>
+        <a:lstStyle/>
+        <a:p>
+          <a:endParaRPr lang="en-US"/>
+        </a:p>
+      </dgm:t>
     </dgm:pt>
     <dgm:pt modelId="{9EDB90A7-E885-447F-927A-7F256777EA5C}" type="pres">
       <dgm:prSet presAssocID="{EEC904FD-F7BE-4A92-88CF-F406158E05A6}" presName="connectorText" presStyleLbl="sibTrans2D1" presStyleIdx="3" presStyleCnt="4"/>
       <dgm:spPr/>
+      <dgm:t>
+        <a:bodyPr/>
+        <a:lstStyle/>
+        <a:p>
+          <a:endParaRPr lang="en-US"/>
+        </a:p>
+      </dgm:t>
     </dgm:pt>
     <dgm:pt modelId="{CB515CC1-4F4E-406F-AAA9-F02F78BD4112}" type="pres">
       <dgm:prSet presAssocID="{F7BA1A21-A494-47FA-9D2E-53C350DDDAB5}" presName="node" presStyleLbl="node1" presStyleIdx="4" presStyleCnt="5">
@@ -2220,28 +2401,35 @@
         </dgm:presLayoutVars>
       </dgm:prSet>
       <dgm:spPr/>
+      <dgm:t>
+        <a:bodyPr/>
+        <a:lstStyle/>
+        <a:p>
+          <a:endParaRPr lang="en-US"/>
+        </a:p>
+      </dgm:t>
     </dgm:pt>
   </dgm:ptLst>
   <dgm:cxnLst>
+    <dgm:cxn modelId="{81E6054F-581D-4130-9A03-A9EFBD721B96}" type="presOf" srcId="{8EDC1B79-E251-4ABF-BDCF-32D39A02632B}" destId="{FB522A7B-EB00-4BF4-B524-962474973FDB}" srcOrd="0" destOrd="0" presId="urn:microsoft.com/office/officeart/2005/8/layout/process5"/>
+    <dgm:cxn modelId="{C7CC93FE-6621-458F-BAF9-0C149D2504AB}" type="presOf" srcId="{2545D250-BFD5-481F-BA1D-7BEF6BBF1427}" destId="{3A759FEB-66EA-4934-8F5C-9D882CCAFFAB}" srcOrd="0" destOrd="0" presId="urn:microsoft.com/office/officeart/2005/8/layout/process5"/>
+    <dgm:cxn modelId="{4667DE7C-36A2-46B5-B22B-19713C6FC003}" srcId="{9A8C17B2-EF29-4D75-BBE0-BDB76371A160}" destId="{764764F7-A762-4109-B812-E29F8A565B9D}" srcOrd="2" destOrd="0" parTransId="{776AF645-BCB2-406B-AC77-246336B5C8D8}" sibTransId="{54B9D642-A167-49B2-B247-39C75D612B7E}"/>
+    <dgm:cxn modelId="{239B11AC-C12E-4289-9C6C-8B79A7482D7A}" srcId="{9A8C17B2-EF29-4D75-BBE0-BDB76371A160}" destId="{FF4DF19A-FCDF-4319-87B8-58D2FC6B82B0}" srcOrd="0" destOrd="0" parTransId="{C97EC9C2-5F3A-4D20-A5CF-A2CF9599BC65}" sibTransId="{8EDC1B79-E251-4ABF-BDCF-32D39A02632B}"/>
+    <dgm:cxn modelId="{8E8996CE-0A38-4B0D-BD9A-5AD6E05C838D}" type="presOf" srcId="{9A8C17B2-EF29-4D75-BBE0-BDB76371A160}" destId="{66BDE385-0E61-4B15-8EBE-069F767CD3F8}" srcOrd="0" destOrd="0" presId="urn:microsoft.com/office/officeart/2005/8/layout/process5"/>
+    <dgm:cxn modelId="{4F7AB6B1-35EE-47DE-AC7B-3C66BBA3260B}" srcId="{9A8C17B2-EF29-4D75-BBE0-BDB76371A160}" destId="{F7BA1A21-A494-47FA-9D2E-53C350DDDAB5}" srcOrd="4" destOrd="0" parTransId="{8D1F684F-DEFD-44A5-A776-F0FAA9CC2A98}" sibTransId="{7E216E5F-152A-41FF-B069-CEE7A9F8FA39}"/>
+    <dgm:cxn modelId="{477BAD32-D9E3-4266-AA84-2E6BBD4239BC}" type="presOf" srcId="{EEC904FD-F7BE-4A92-88CF-F406158E05A6}" destId="{9EDB90A7-E885-447F-927A-7F256777EA5C}" srcOrd="1" destOrd="0" presId="urn:microsoft.com/office/officeart/2005/8/layout/process5"/>
+    <dgm:cxn modelId="{D0A8FF8F-14A0-4142-B9C0-DABB360E769B}" type="presOf" srcId="{EEC904FD-F7BE-4A92-88CF-F406158E05A6}" destId="{B2F8FA17-094F-42A5-95F0-2A5CC0E058D0}" srcOrd="0" destOrd="0" presId="urn:microsoft.com/office/officeart/2005/8/layout/process5"/>
+    <dgm:cxn modelId="{4CD0F675-7979-4C1C-BE89-8EB01166A73A}" type="presOf" srcId="{12D9B701-D2CD-464B-9D29-BAC82825D3CD}" destId="{FC04ADFA-67FA-4BC8-A7D8-70E550CB8A67}" srcOrd="1" destOrd="0" presId="urn:microsoft.com/office/officeart/2005/8/layout/process5"/>
+    <dgm:cxn modelId="{38FD3045-0C0B-41D4-B710-D8390DC9D886}" type="presOf" srcId="{12D9B701-D2CD-464B-9D29-BAC82825D3CD}" destId="{97821F69-0B45-448C-8E8A-AC4B1E272707}" srcOrd="0" destOrd="0" presId="urn:microsoft.com/office/officeart/2005/8/layout/process5"/>
+    <dgm:cxn modelId="{88CD6971-C527-4572-83B8-549BC10E215F}" type="presOf" srcId="{764764F7-A762-4109-B812-E29F8A565B9D}" destId="{5F0E0E36-B9D5-411F-A2EE-4A9D831C3336}" srcOrd="0" destOrd="0" presId="urn:microsoft.com/office/officeart/2005/8/layout/process5"/>
+    <dgm:cxn modelId="{3ECA749E-D478-47F8-BD7F-3E34DCB33EB9}" type="presOf" srcId="{F7BA1A21-A494-47FA-9D2E-53C350DDDAB5}" destId="{CB515CC1-4F4E-406F-AAA9-F02F78BD4112}" srcOrd="0" destOrd="0" presId="urn:microsoft.com/office/officeart/2005/8/layout/process5"/>
+    <dgm:cxn modelId="{622AFF4E-70E3-4700-85D5-9BA48A8973CB}" type="presOf" srcId="{54B9D642-A167-49B2-B247-39C75D612B7E}" destId="{E4AC00EC-9833-426E-AF4D-E6ACF6FAC684}" srcOrd="0" destOrd="0" presId="urn:microsoft.com/office/officeart/2005/8/layout/process5"/>
+    <dgm:cxn modelId="{8EB3D031-B447-4FFB-972C-6FFE5FF31DFB}" type="presOf" srcId="{54B9D642-A167-49B2-B247-39C75D612B7E}" destId="{B61DA4DE-C906-4EF6-AFBD-6841F91C0EC5}" srcOrd="1" destOrd="0" presId="urn:microsoft.com/office/officeart/2005/8/layout/process5"/>
+    <dgm:cxn modelId="{874C1826-7151-4951-A688-7C8E06E53DC9}" srcId="{9A8C17B2-EF29-4D75-BBE0-BDB76371A160}" destId="{2545D250-BFD5-481F-BA1D-7BEF6BBF1427}" srcOrd="1" destOrd="0" parTransId="{6A730C6B-D8C0-4050-A29C-3C0D1EFDFD99}" sibTransId="{12D9B701-D2CD-464B-9D29-BAC82825D3CD}"/>
     <dgm:cxn modelId="{F003761A-CA9C-4AC4-9BAE-E32D864BC96C}" type="presOf" srcId="{45A47992-5E65-49C5-8D70-7678C1439A23}" destId="{440967BF-7E77-4A6F-AD1B-25AC45CD6984}" srcOrd="0" destOrd="0" presId="urn:microsoft.com/office/officeart/2005/8/layout/process5"/>
-    <dgm:cxn modelId="{874C1826-7151-4951-A688-7C8E06E53DC9}" srcId="{9A8C17B2-EF29-4D75-BBE0-BDB76371A160}" destId="{2545D250-BFD5-481F-BA1D-7BEF6BBF1427}" srcOrd="1" destOrd="0" parTransId="{6A730C6B-D8C0-4050-A29C-3C0D1EFDFD99}" sibTransId="{12D9B701-D2CD-464B-9D29-BAC82825D3CD}"/>
-    <dgm:cxn modelId="{8EB3D031-B447-4FFB-972C-6FFE5FF31DFB}" type="presOf" srcId="{54B9D642-A167-49B2-B247-39C75D612B7E}" destId="{B61DA4DE-C906-4EF6-AFBD-6841F91C0EC5}" srcOrd="1" destOrd="0" presId="urn:microsoft.com/office/officeart/2005/8/layout/process5"/>
-    <dgm:cxn modelId="{477BAD32-D9E3-4266-AA84-2E6BBD4239BC}" type="presOf" srcId="{EEC904FD-F7BE-4A92-88CF-F406158E05A6}" destId="{9EDB90A7-E885-447F-927A-7F256777EA5C}" srcOrd="1" destOrd="0" presId="urn:microsoft.com/office/officeart/2005/8/layout/process5"/>
+    <dgm:cxn modelId="{6D4FA3E7-D04C-45E8-8586-BCFA392A3E46}" srcId="{9A8C17B2-EF29-4D75-BBE0-BDB76371A160}" destId="{45A47992-5E65-49C5-8D70-7678C1439A23}" srcOrd="3" destOrd="0" parTransId="{090C0F8C-868D-40FD-8072-041A136D9133}" sibTransId="{EEC904FD-F7BE-4A92-88CF-F406158E05A6}"/>
     <dgm:cxn modelId="{0497E535-2965-4F3D-A3E3-90F47B42135A}" type="presOf" srcId="{FF4DF19A-FCDF-4319-87B8-58D2FC6B82B0}" destId="{DF71B0B5-F1F5-4037-9A3E-DB772AE969DD}" srcOrd="0" destOrd="0" presId="urn:microsoft.com/office/officeart/2005/8/layout/process5"/>
-    <dgm:cxn modelId="{38FD3045-0C0B-41D4-B710-D8390DC9D886}" type="presOf" srcId="{12D9B701-D2CD-464B-9D29-BAC82825D3CD}" destId="{97821F69-0B45-448C-8E8A-AC4B1E272707}" srcOrd="0" destOrd="0" presId="urn:microsoft.com/office/officeart/2005/8/layout/process5"/>
-    <dgm:cxn modelId="{622AFF4E-70E3-4700-85D5-9BA48A8973CB}" type="presOf" srcId="{54B9D642-A167-49B2-B247-39C75D612B7E}" destId="{E4AC00EC-9833-426E-AF4D-E6ACF6FAC684}" srcOrd="0" destOrd="0" presId="urn:microsoft.com/office/officeart/2005/8/layout/process5"/>
-    <dgm:cxn modelId="{81E6054F-581D-4130-9A03-A9EFBD721B96}" type="presOf" srcId="{8EDC1B79-E251-4ABF-BDCF-32D39A02632B}" destId="{FB522A7B-EB00-4BF4-B524-962474973FDB}" srcOrd="0" destOrd="0" presId="urn:microsoft.com/office/officeart/2005/8/layout/process5"/>
-    <dgm:cxn modelId="{88CD6971-C527-4572-83B8-549BC10E215F}" type="presOf" srcId="{764764F7-A762-4109-B812-E29F8A565B9D}" destId="{5F0E0E36-B9D5-411F-A2EE-4A9D831C3336}" srcOrd="0" destOrd="0" presId="urn:microsoft.com/office/officeart/2005/8/layout/process5"/>
-    <dgm:cxn modelId="{4CD0F675-7979-4C1C-BE89-8EB01166A73A}" type="presOf" srcId="{12D9B701-D2CD-464B-9D29-BAC82825D3CD}" destId="{FC04ADFA-67FA-4BC8-A7D8-70E550CB8A67}" srcOrd="1" destOrd="0" presId="urn:microsoft.com/office/officeart/2005/8/layout/process5"/>
-    <dgm:cxn modelId="{4667DE7C-36A2-46B5-B22B-19713C6FC003}" srcId="{9A8C17B2-EF29-4D75-BBE0-BDB76371A160}" destId="{764764F7-A762-4109-B812-E29F8A565B9D}" srcOrd="2" destOrd="0" parTransId="{776AF645-BCB2-406B-AC77-246336B5C8D8}" sibTransId="{54B9D642-A167-49B2-B247-39C75D612B7E}"/>
-    <dgm:cxn modelId="{D0A8FF8F-14A0-4142-B9C0-DABB360E769B}" type="presOf" srcId="{EEC904FD-F7BE-4A92-88CF-F406158E05A6}" destId="{B2F8FA17-094F-42A5-95F0-2A5CC0E058D0}" srcOrd="0" destOrd="0" presId="urn:microsoft.com/office/officeart/2005/8/layout/process5"/>
-    <dgm:cxn modelId="{3ECA749E-D478-47F8-BD7F-3E34DCB33EB9}" type="presOf" srcId="{F7BA1A21-A494-47FA-9D2E-53C350DDDAB5}" destId="{CB515CC1-4F4E-406F-AAA9-F02F78BD4112}" srcOrd="0" destOrd="0" presId="urn:microsoft.com/office/officeart/2005/8/layout/process5"/>
     <dgm:cxn modelId="{18129BAB-42EB-42E7-92C9-F36CCCF12000}" type="presOf" srcId="{8EDC1B79-E251-4ABF-BDCF-32D39A02632B}" destId="{EE7757F6-B714-4AA4-ABB6-9E91B712416B}" srcOrd="1" destOrd="0" presId="urn:microsoft.com/office/officeart/2005/8/layout/process5"/>
-    <dgm:cxn modelId="{239B11AC-C12E-4289-9C6C-8B79A7482D7A}" srcId="{9A8C17B2-EF29-4D75-BBE0-BDB76371A160}" destId="{FF4DF19A-FCDF-4319-87B8-58D2FC6B82B0}" srcOrd="0" destOrd="0" parTransId="{C97EC9C2-5F3A-4D20-A5CF-A2CF9599BC65}" sibTransId="{8EDC1B79-E251-4ABF-BDCF-32D39A02632B}"/>
-    <dgm:cxn modelId="{4F7AB6B1-35EE-47DE-AC7B-3C66BBA3260B}" srcId="{9A8C17B2-EF29-4D75-BBE0-BDB76371A160}" destId="{F7BA1A21-A494-47FA-9D2E-53C350DDDAB5}" srcOrd="4" destOrd="0" parTransId="{8D1F684F-DEFD-44A5-A776-F0FAA9CC2A98}" sibTransId="{7E216E5F-152A-41FF-B069-CEE7A9F8FA39}"/>
-    <dgm:cxn modelId="{8E8996CE-0A38-4B0D-BD9A-5AD6E05C838D}" type="presOf" srcId="{9A8C17B2-EF29-4D75-BBE0-BDB76371A160}" destId="{66BDE385-0E61-4B15-8EBE-069F767CD3F8}" srcOrd="0" destOrd="0" presId="urn:microsoft.com/office/officeart/2005/8/layout/process5"/>
-    <dgm:cxn modelId="{6D4FA3E7-D04C-45E8-8586-BCFA392A3E46}" srcId="{9A8C17B2-EF29-4D75-BBE0-BDB76371A160}" destId="{45A47992-5E65-49C5-8D70-7678C1439A23}" srcOrd="3" destOrd="0" parTransId="{090C0F8C-868D-40FD-8072-041A136D9133}" sibTransId="{EEC904FD-F7BE-4A92-88CF-F406158E05A6}"/>
-    <dgm:cxn modelId="{C7CC93FE-6621-458F-BAF9-0C149D2504AB}" type="presOf" srcId="{2545D250-BFD5-481F-BA1D-7BEF6BBF1427}" destId="{3A759FEB-66EA-4934-8F5C-9D882CCAFFAB}" srcOrd="0" destOrd="0" presId="urn:microsoft.com/office/officeart/2005/8/layout/process5"/>
     <dgm:cxn modelId="{673EB01B-B5C0-45F3-B81F-938D518F60B5}" type="presParOf" srcId="{66BDE385-0E61-4B15-8EBE-069F767CD3F8}" destId="{DF71B0B5-F1F5-4037-9A3E-DB772AE969DD}" srcOrd="0" destOrd="0" presId="urn:microsoft.com/office/officeart/2005/8/layout/process5"/>
     <dgm:cxn modelId="{5A47608E-41A5-4029-B8D0-7B68E49149EA}" type="presParOf" srcId="{66BDE385-0E61-4B15-8EBE-069F767CD3F8}" destId="{FB522A7B-EB00-4BF4-B524-962474973FDB}" srcOrd="1" destOrd="0" presId="urn:microsoft.com/office/officeart/2005/8/layout/process5"/>
     <dgm:cxn modelId="{B209CEC7-CFEB-49D1-8992-6AA17F2A52B8}" type="presParOf" srcId="{FB522A7B-EB00-4BF4-B524-962474973FDB}" destId="{EE7757F6-B714-4AA4-ABB6-9E91B712416B}" srcOrd="0" destOrd="0" presId="urn:microsoft.com/office/officeart/2005/8/layout/process5"/>
@@ -2356,7 +2544,7 @@
         </a:bodyPr>
         <a:lstStyle/>
         <a:p>
-          <a:pPr marL="0" lvl="0" indent="0" algn="ctr" defTabSz="977900">
+          <a:pPr lvl="0" algn="ctr" defTabSz="977900">
             <a:lnSpc>
               <a:spcPct val="90000"/>
             </a:lnSpc>
@@ -2366,7 +2554,6 @@
             <a:spcAft>
               <a:spcPct val="35000"/>
             </a:spcAft>
-            <a:buNone/>
           </a:pPr>
           <a:r>
             <a:rPr lang="en-IN" sz="2200" kern="1200" dirty="0"/>
@@ -2447,7 +2634,7 @@
         </a:bodyPr>
         <a:lstStyle/>
         <a:p>
-          <a:pPr marL="0" lvl="0" indent="0" algn="ctr" defTabSz="755650">
+          <a:pPr lvl="0" algn="ctr" defTabSz="755650">
             <a:lnSpc>
               <a:spcPct val="90000"/>
             </a:lnSpc>
@@ -2457,7 +2644,6 @@
             <a:spcAft>
               <a:spcPct val="35000"/>
             </a:spcAft>
-            <a:buNone/>
           </a:pPr>
           <a:endParaRPr lang="en-IN" sz="1700" kern="1200"/>
         </a:p>
@@ -2547,7 +2733,7 @@
         </a:bodyPr>
         <a:lstStyle/>
         <a:p>
-          <a:pPr marL="0" lvl="0" indent="0" algn="ctr" defTabSz="977900">
+          <a:pPr lvl="0" algn="ctr" defTabSz="977900">
             <a:lnSpc>
               <a:spcPct val="90000"/>
             </a:lnSpc>
@@ -2557,7 +2743,6 @@
             <a:spcAft>
               <a:spcPct val="35000"/>
             </a:spcAft>
-            <a:buNone/>
           </a:pPr>
           <a:r>
             <a:rPr lang="en-IN" sz="2200" kern="1200" dirty="0"/>
@@ -2577,14 +2762,11 @@
       </dsp:nvSpPr>
       <dsp:spPr>
         <a:xfrm rot="5400000">
-          <a:off x="3038746" y="1091077"/>
-          <a:ext cx="344936" cy="403510"/>
+          <a:off x="2898751" y="1091077"/>
+          <a:ext cx="624928" cy="403510"/>
         </a:xfrm>
-        <a:prstGeom prst="rightArrow">
-          <a:avLst>
-            <a:gd name="adj1" fmla="val 60000"/>
-            <a:gd name="adj2" fmla="val 50000"/>
-          </a:avLst>
+        <a:prstGeom prst="leftRightArrow">
+          <a:avLst/>
         </a:prstGeom>
         <a:solidFill>
           <a:schemeClr val="accent1">
@@ -2638,7 +2820,7 @@
         </a:bodyPr>
         <a:lstStyle/>
         <a:p>
-          <a:pPr marL="0" lvl="0" indent="0" algn="ctr" defTabSz="755650">
+          <a:pPr lvl="0" algn="ctr" defTabSz="800100">
             <a:lnSpc>
               <a:spcPct val="90000"/>
             </a:lnSpc>
@@ -2648,14 +2830,13 @@
             <a:spcAft>
               <a:spcPct val="35000"/>
             </a:spcAft>
-            <a:buNone/>
           </a:pPr>
-          <a:endParaRPr lang="en-IN" sz="1700" kern="1200"/>
+          <a:endParaRPr lang="en-IN" sz="1800" kern="1200"/>
         </a:p>
       </dsp:txBody>
       <dsp:txXfrm rot="-5400000">
-        <a:off x="3090162" y="1120364"/>
-        <a:ext cx="242106" cy="241455"/>
+        <a:off x="3090162" y="980369"/>
+        <a:ext cx="242106" cy="503875"/>
       </dsp:txXfrm>
     </dsp:sp>
     <dsp:sp modelId="{FC588FA0-AA79-428B-8EAA-D7370F1945C1}">
@@ -2738,7 +2919,7 @@
         </a:bodyPr>
         <a:lstStyle/>
         <a:p>
-          <a:pPr marL="0" lvl="0" indent="0" algn="ctr" defTabSz="977900">
+          <a:pPr lvl="0" algn="ctr" defTabSz="977900">
             <a:lnSpc>
               <a:spcPct val="90000"/>
             </a:lnSpc>
@@ -2748,7 +2929,6 @@
             <a:spcAft>
               <a:spcPct val="35000"/>
             </a:spcAft>
-            <a:buNone/>
           </a:pPr>
           <a:r>
             <a:rPr lang="en-IN" sz="2200" kern="1200" dirty="0"/>
@@ -2829,7 +3009,7 @@
         </a:bodyPr>
         <a:lstStyle/>
         <a:p>
-          <a:pPr marL="0" lvl="0" indent="0" algn="ctr" defTabSz="755650">
+          <a:pPr lvl="0" algn="ctr" defTabSz="755650">
             <a:lnSpc>
               <a:spcPct val="90000"/>
             </a:lnSpc>
@@ -2839,7 +3019,6 @@
             <a:spcAft>
               <a:spcPct val="35000"/>
             </a:spcAft>
-            <a:buNone/>
           </a:pPr>
           <a:endParaRPr lang="en-IN" sz="1700" kern="1200"/>
         </a:p>
@@ -2849,7 +3028,7 @@
         <a:ext cx="241455" cy="242106"/>
       </dsp:txXfrm>
     </dsp:sp>
-    <dsp:sp modelId="{012227F6-C69C-42F6-A649-268AFC521AE4}">
+    <dsp:sp modelId="{29E92719-BAF7-4D77-A3C3-AADB5F9AD43A}">
       <dsp:nvSpPr>
         <dsp:cNvPr id="0" name=""/>
         <dsp:cNvSpPr/>
@@ -2929,7 +3108,7 @@
         </a:bodyPr>
         <a:lstStyle/>
         <a:p>
-          <a:pPr marL="0" lvl="0" indent="0" algn="ctr" defTabSz="977900">
+          <a:pPr lvl="0" algn="ctr" defTabSz="977900">
             <a:lnSpc>
               <a:spcPct val="90000"/>
             </a:lnSpc>
@@ -2939,12 +3118,12 @@
             <a:spcAft>
               <a:spcPct val="35000"/>
             </a:spcAft>
-            <a:buNone/>
           </a:pPr>
           <a:r>
-            <a:rPr lang="en-IN" sz="2200" kern="1200" dirty="0"/>
-            <a:t>Fire-bot</a:t>
+            <a:rPr lang="en-US" sz="2200" kern="1200" dirty="0" smtClean="0"/>
+            <a:t>Mobile Phone</a:t>
           </a:r>
+          <a:endParaRPr lang="en-US" sz="2200" kern="1200" dirty="0"/>
         </a:p>
       </dsp:txBody>
       <dsp:txXfrm>
@@ -2952,15 +3131,15 @@
         <a:ext cx="1569872" cy="919049"/>
       </dsp:txXfrm>
     </dsp:sp>
-    <dsp:sp modelId="{69DECA83-A771-47BC-97D9-4D732BBE0503}">
+    <dsp:sp modelId="{C98B66A3-B538-4755-8E9C-8FBBD957AF3C}">
       <dsp:nvSpPr>
         <dsp:cNvPr id="0" name=""/>
         <dsp:cNvSpPr/>
       </dsp:nvSpPr>
       <dsp:spPr>
-        <a:xfrm rot="5400000">
-          <a:off x="760864" y="2718136"/>
-          <a:ext cx="344936" cy="403510"/>
+        <a:xfrm rot="5400000" flipH="1">
+          <a:off x="3028826" y="2748425"/>
+          <a:ext cx="553288" cy="361267"/>
         </a:xfrm>
         <a:prstGeom prst="rightArrow">
           <a:avLst>
@@ -3020,7 +3199,7 @@
         </a:bodyPr>
         <a:lstStyle/>
         <a:p>
-          <a:pPr marL="0" lvl="0" indent="0" algn="ctr" defTabSz="755650">
+          <a:pPr lvl="0" algn="ctr" defTabSz="666750">
             <a:lnSpc>
               <a:spcPct val="90000"/>
             </a:lnSpc>
@@ -3030,14 +3209,13 @@
             <a:spcAft>
               <a:spcPct val="35000"/>
             </a:spcAft>
-            <a:buNone/>
           </a:pPr>
-          <a:endParaRPr lang="en-IN" sz="1700" kern="1200"/>
+          <a:endParaRPr lang="en-US" sz="1500" kern="1200"/>
         </a:p>
       </dsp:txBody>
-      <dsp:txXfrm rot="-5400000">
-        <a:off x="812280" y="2747423"/>
-        <a:ext cx="242106" cy="241455"/>
+      <dsp:txXfrm>
+        <a:off x="3083016" y="2874868"/>
+        <a:ext cx="444908" cy="216761"/>
       </dsp:txXfrm>
     </dsp:sp>
     <dsp:sp modelId="{EE8DAAE9-044C-456D-A7E7-47C43183E8FA}">
@@ -3047,7 +3225,7 @@
       </dsp:nvSpPr>
       <dsp:spPr>
         <a:xfrm>
-          <a:off x="119803" y="3255066"/>
+          <a:off x="2453705" y="3256013"/>
           <a:ext cx="1627058" cy="976235"/>
         </a:xfrm>
         <a:prstGeom prst="roundRect">
@@ -3120,7 +3298,7 @@
         </a:bodyPr>
         <a:lstStyle/>
         <a:p>
-          <a:pPr marL="0" lvl="0" indent="0" algn="ctr" defTabSz="977900">
+          <a:pPr lvl="0" algn="ctr" defTabSz="977900">
             <a:lnSpc>
               <a:spcPct val="90000"/>
             </a:lnSpc>
@@ -3130,16 +3308,16 @@
             <a:spcAft>
               <a:spcPct val="35000"/>
             </a:spcAft>
-            <a:buNone/>
           </a:pPr>
           <a:r>
-            <a:rPr lang="en-IN" sz="2200" kern="1200" dirty="0"/>
-            <a:t>Mobile phone</a:t>
+            <a:rPr lang="en-IN" sz="2200" kern="1200" dirty="0" smtClean="0"/>
+            <a:t>Firebot</a:t>
           </a:r>
+          <a:endParaRPr lang="en-IN" sz="2200" kern="1200" dirty="0"/>
         </a:p>
       </dsp:txBody>
       <dsp:txXfrm>
-        <a:off x="148396" y="3283659"/>
+        <a:off x="2482298" y="3284606"/>
         <a:ext cx="1569872" cy="919049"/>
       </dsp:txXfrm>
     </dsp:sp>
@@ -3235,7 +3413,7 @@
         </a:bodyPr>
         <a:lstStyle/>
         <a:p>
-          <a:pPr marL="0" lvl="0" indent="0" algn="ctr" defTabSz="977900">
+          <a:pPr lvl="0" algn="ctr" defTabSz="977900">
             <a:lnSpc>
               <a:spcPct val="90000"/>
             </a:lnSpc>
@@ -3245,7 +3423,6 @@
             <a:spcAft>
               <a:spcPct val="35000"/>
             </a:spcAft>
-            <a:buNone/>
           </a:pPr>
           <a:r>
             <a:rPr lang="en-IN" sz="2200" kern="1200" dirty="0"/>
@@ -3326,7 +3503,7 @@
         </a:bodyPr>
         <a:lstStyle/>
         <a:p>
-          <a:pPr marL="0" lvl="0" indent="0" algn="ctr" defTabSz="977900">
+          <a:pPr lvl="0" algn="ctr" defTabSz="977900">
             <a:lnSpc>
               <a:spcPct val="90000"/>
             </a:lnSpc>
@@ -3336,7 +3513,6 @@
             <a:spcAft>
               <a:spcPct val="35000"/>
             </a:spcAft>
-            <a:buNone/>
           </a:pPr>
           <a:endParaRPr lang="en-IN" sz="2200" kern="1200"/>
         </a:p>
@@ -3426,7 +3602,7 @@
         </a:bodyPr>
         <a:lstStyle/>
         <a:p>
-          <a:pPr marL="0" lvl="0" indent="0" algn="ctr" defTabSz="977900">
+          <a:pPr lvl="0" algn="ctr" defTabSz="977900">
             <a:lnSpc>
               <a:spcPct val="90000"/>
             </a:lnSpc>
@@ -3436,7 +3612,6 @@
             <a:spcAft>
               <a:spcPct val="35000"/>
             </a:spcAft>
-            <a:buNone/>
           </a:pPr>
           <a:r>
             <a:rPr lang="en-IN" sz="2200" kern="1200" dirty="0"/>
@@ -3456,14 +3631,11 @@
       </dsp:nvSpPr>
       <dsp:spPr>
         <a:xfrm rot="5577488">
-          <a:off x="3176009" y="1059342"/>
-          <a:ext cx="334895" cy="391242"/>
+          <a:off x="3023072" y="1059342"/>
+          <a:ext cx="640768" cy="391242"/>
         </a:xfrm>
-        <a:prstGeom prst="rightArrow">
-          <a:avLst>
-            <a:gd name="adj1" fmla="val 60000"/>
-            <a:gd name="adj2" fmla="val 50000"/>
-          </a:avLst>
+        <a:prstGeom prst="leftRightArrow">
+          <a:avLst/>
         </a:prstGeom>
         <a:solidFill>
           <a:schemeClr val="accent1">
@@ -3517,7 +3689,7 @@
         </a:bodyPr>
         <a:lstStyle/>
         <a:p>
-          <a:pPr marL="0" lvl="0" indent="0" algn="ctr" defTabSz="977900">
+          <a:pPr lvl="0" algn="ctr" defTabSz="977900">
             <a:lnSpc>
               <a:spcPct val="90000"/>
             </a:lnSpc>
@@ -3527,14 +3699,13 @@
             <a:spcAft>
               <a:spcPct val="35000"/>
             </a:spcAft>
-            <a:buNone/>
           </a:pPr>
           <a:endParaRPr lang="en-IN" sz="2200" kern="1200"/>
         </a:p>
       </dsp:txBody>
       <dsp:txXfrm rot="-5400000">
-        <a:off x="3228676" y="1087582"/>
-        <a:ext cx="234746" cy="234427"/>
+        <a:off x="3229111" y="934658"/>
+        <a:ext cx="234746" cy="523395"/>
       </dsp:txXfrm>
     </dsp:sp>
     <dsp:sp modelId="{5F0E0E36-B9D5-411F-A2EE-4A9D831C3336}">
@@ -3617,7 +3788,7 @@
         </a:bodyPr>
         <a:lstStyle/>
         <a:p>
-          <a:pPr marL="0" lvl="0" indent="0" algn="ctr" defTabSz="977900">
+          <a:pPr lvl="0" algn="ctr" defTabSz="977900">
             <a:lnSpc>
               <a:spcPct val="90000"/>
             </a:lnSpc>
@@ -3627,17 +3798,11 @@
             <a:spcAft>
               <a:spcPct val="35000"/>
             </a:spcAft>
-            <a:buNone/>
           </a:pPr>
           <a:r>
             <a:rPr lang="en-IN" sz="2200" kern="1200" dirty="0"/>
-            <a:t>Firebase/ </a:t>
+            <a:t>Firebase/ Thingspeak</a:t>
           </a:r>
-          <a:r>
-            <a:rPr lang="en-IN" sz="2200" kern="1200" dirty="0" err="1"/>
-            <a:t>Thingspeak</a:t>
-          </a:r>
-          <a:endParaRPr lang="en-IN" sz="2200" kern="1200" dirty="0"/>
         </a:p>
       </dsp:txBody>
       <dsp:txXfrm>
@@ -3652,14 +3817,11 @@
       </dsp:nvSpPr>
       <dsp:spPr>
         <a:xfrm rot="10800000">
-          <a:off x="1958613" y="1857602"/>
-          <a:ext cx="334449" cy="391242"/>
+          <a:off x="1808570" y="1857602"/>
+          <a:ext cx="634533" cy="391242"/>
         </a:xfrm>
-        <a:prstGeom prst="rightArrow">
-          <a:avLst>
-            <a:gd name="adj1" fmla="val 60000"/>
-            <a:gd name="adj2" fmla="val 50000"/>
-          </a:avLst>
+        <a:prstGeom prst="leftRightArrow">
+          <a:avLst/>
         </a:prstGeom>
         <a:solidFill>
           <a:schemeClr val="accent1">
@@ -3713,7 +3875,7 @@
         </a:bodyPr>
         <a:lstStyle/>
         <a:p>
-          <a:pPr marL="0" lvl="0" indent="0" algn="ctr" defTabSz="977900">
+          <a:pPr lvl="0" algn="ctr" defTabSz="977900">
             <a:lnSpc>
               <a:spcPct val="90000"/>
             </a:lnSpc>
@@ -3723,14 +3885,13 @@
             <a:spcAft>
               <a:spcPct val="35000"/>
             </a:spcAft>
-            <a:buNone/>
           </a:pPr>
           <a:endParaRPr lang="en-IN" sz="2200" kern="1200"/>
         </a:p>
       </dsp:txBody>
       <dsp:txXfrm rot="10800000">
-        <a:off x="2058948" y="1935850"/>
-        <a:ext cx="234114" cy="234746"/>
+        <a:off x="1925943" y="1935850"/>
+        <a:ext cx="517160" cy="234746"/>
       </dsp:txXfrm>
     </dsp:sp>
     <dsp:sp modelId="{440967BF-7E77-4A6F-AD1B-25AC45CD6984}">
@@ -3813,7 +3974,7 @@
         </a:bodyPr>
         <a:lstStyle/>
         <a:p>
-          <a:pPr marL="0" lvl="0" indent="0" algn="ctr" defTabSz="977900">
+          <a:pPr lvl="0" algn="ctr" defTabSz="977900">
             <a:lnSpc>
               <a:spcPct val="90000"/>
             </a:lnSpc>
@@ -3823,7 +3984,6 @@
             <a:spcAft>
               <a:spcPct val="35000"/>
             </a:spcAft>
-            <a:buNone/>
           </a:pPr>
           <a:r>
             <a:rPr lang="en-IN" sz="2200" kern="1200" dirty="0"/>
@@ -3904,7 +4064,7 @@
         </a:bodyPr>
         <a:lstStyle/>
         <a:p>
-          <a:pPr marL="0" lvl="0" indent="0" algn="ctr" defTabSz="977900">
+          <a:pPr lvl="0" algn="ctr" defTabSz="977900">
             <a:lnSpc>
               <a:spcPct val="90000"/>
             </a:lnSpc>
@@ -3914,7 +4074,6 @@
             <a:spcAft>
               <a:spcPct val="35000"/>
             </a:spcAft>
-            <a:buNone/>
           </a:pPr>
           <a:endParaRPr lang="en-IN" sz="2200" kern="1200"/>
         </a:p>
@@ -4004,7 +4163,7 @@
         </a:bodyPr>
         <a:lstStyle/>
         <a:p>
-          <a:pPr marL="0" lvl="0" indent="0" algn="ctr" defTabSz="977900">
+          <a:pPr lvl="0" algn="ctr" defTabSz="977900">
             <a:lnSpc>
               <a:spcPct val="90000"/>
             </a:lnSpc>
@@ -4014,7 +4173,6 @@
             <a:spcAft>
               <a:spcPct val="35000"/>
             </a:spcAft>
-            <a:buNone/>
           </a:pPr>
           <a:r>
             <a:rPr lang="en-IN" sz="2200" kern="1200" dirty="0"/>
@@ -4026,15 +4184,7 @@
           </a:r>
           <a:r>
             <a:rPr lang="en-IN" sz="2200" kern="1200" dirty="0"/>
-            <a:t> (</a:t>
-          </a:r>
-          <a:r>
-            <a:rPr lang="en-IN" sz="2200" kern="1200" dirty="0" err="1"/>
-            <a:t>twilio</a:t>
-          </a:r>
-          <a:r>
-            <a:rPr lang="en-IN" sz="2200" kern="1200" dirty="0"/>
-            <a:t>)/ emails</a:t>
+            <a:t> (twilio)/ emails</a:t>
           </a:r>
         </a:p>
       </dsp:txBody>
@@ -6955,7 +7105,7 @@
           </a:lstStyle>
           <a:p>
             <a:r>
-              <a:rPr lang="en-US"/>
+              <a:rPr lang="en-US" smtClean="0"/>
               <a:t>Click to edit Master title style</a:t>
             </a:r>
             <a:endParaRPr lang="en-US" dirty="0"/>
@@ -7075,7 +7225,7 @@
           </a:lstStyle>
           <a:p>
             <a:r>
-              <a:rPr lang="en-US"/>
+              <a:rPr lang="en-US" smtClean="0"/>
               <a:t>Click to edit Master subtitle style</a:t>
             </a:r>
             <a:endParaRPr lang="en-US" dirty="0"/>
@@ -7150,7 +7300,7 @@
     </p:spTree>
     <p:extLst>
       <p:ext uri="{BB962C8B-B14F-4D97-AF65-F5344CB8AC3E}">
-        <p14:creationId xmlns:p14="http://schemas.microsoft.com/office/powerpoint/2010/main" val="3289418588"/>
+        <p14:creationId xmlns:p14="http://schemas.microsoft.com/office/powerpoint/2010/main" val="3442184627"/>
       </p:ext>
     </p:extLst>
   </p:cSld>
@@ -7204,7 +7354,7 @@
           </a:lstStyle>
           <a:p>
             <a:r>
-              <a:rPr lang="en-US"/>
+              <a:rPr lang="en-US" smtClean="0"/>
               <a:t>Click to edit Master title style</a:t>
             </a:r>
             <a:endParaRPr lang="en-US" dirty="0"/>
@@ -7283,7 +7433,7 @@
           </a:lstStyle>
           <a:p>
             <a:r>
-              <a:rPr lang="en-US"/>
+              <a:rPr lang="en-US" smtClean="0"/>
               <a:t>Click icon to add picture</a:t>
             </a:r>
             <a:endParaRPr lang="en-US" dirty="0"/>
@@ -7351,7 +7501,7 @@
           <a:p>
             <a:pPr lvl="0"/>
             <a:r>
-              <a:rPr lang="en-US"/>
+              <a:rPr lang="en-US" smtClean="0"/>
               <a:t>Edit Master text styles</a:t>
             </a:r>
           </a:p>
@@ -7425,7 +7575,7 @@
     </p:spTree>
     <p:extLst>
       <p:ext uri="{BB962C8B-B14F-4D97-AF65-F5344CB8AC3E}">
-        <p14:creationId xmlns:p14="http://schemas.microsoft.com/office/powerpoint/2010/main" val="2159587935"/>
+        <p14:creationId xmlns:p14="http://schemas.microsoft.com/office/powerpoint/2010/main" val="4198013064"/>
       </p:ext>
     </p:extLst>
   </p:cSld>
@@ -7477,7 +7627,7 @@
           </a:lstStyle>
           <a:p>
             <a:r>
-              <a:rPr lang="en-US"/>
+              <a:rPr lang="en-US" smtClean="0"/>
               <a:t>Click to edit Master title style</a:t>
             </a:r>
             <a:endParaRPr lang="en-US" dirty="0"/>
@@ -7545,7 +7695,7 @@
           <a:p>
             <a:pPr lvl="0"/>
             <a:r>
-              <a:rPr lang="en-US"/>
+              <a:rPr lang="en-US" smtClean="0"/>
               <a:t>Edit Master text styles</a:t>
             </a:r>
           </a:p>
@@ -7619,7 +7769,7 @@
     </p:spTree>
     <p:extLst>
       <p:ext uri="{BB962C8B-B14F-4D97-AF65-F5344CB8AC3E}">
-        <p14:creationId xmlns:p14="http://schemas.microsoft.com/office/powerpoint/2010/main" val="2156569371"/>
+        <p14:creationId xmlns:p14="http://schemas.microsoft.com/office/powerpoint/2010/main" val="1852796915"/>
       </p:ext>
     </p:extLst>
   </p:cSld>
@@ -7671,7 +7821,7 @@
           </a:lstStyle>
           <a:p>
             <a:r>
-              <a:rPr lang="en-US"/>
+              <a:rPr lang="en-US" smtClean="0"/>
               <a:t>Click to edit Master title style</a:t>
             </a:r>
             <a:endParaRPr lang="en-US" dirty="0"/>
@@ -7751,7 +7901,7 @@
               <a:buNone/>
             </a:pPr>
             <a:r>
-              <a:rPr lang="en-US"/>
+              <a:rPr lang="en-US" smtClean="0"/>
               <a:t>Edit Master text styles</a:t>
             </a:r>
           </a:p>
@@ -7818,7 +7968,7 @@
           <a:p>
             <a:pPr lvl="0"/>
             <a:r>
-              <a:rPr lang="en-US"/>
+              <a:rPr lang="en-US" smtClean="0"/>
               <a:t>Edit Master text styles</a:t>
             </a:r>
           </a:p>
@@ -7986,7 +8136,7 @@
     </p:spTree>
     <p:extLst>
       <p:ext uri="{BB962C8B-B14F-4D97-AF65-F5344CB8AC3E}">
-        <p14:creationId xmlns:p14="http://schemas.microsoft.com/office/powerpoint/2010/main" val="715197653"/>
+        <p14:creationId xmlns:p14="http://schemas.microsoft.com/office/powerpoint/2010/main" val="1353300001"/>
       </p:ext>
     </p:extLst>
   </p:cSld>
@@ -8038,7 +8188,7 @@
           </a:lstStyle>
           <a:p>
             <a:r>
-              <a:rPr lang="en-US"/>
+              <a:rPr lang="en-US" smtClean="0"/>
               <a:t>Click to edit Master title style</a:t>
             </a:r>
             <a:endParaRPr lang="en-US" dirty="0"/>
@@ -8159,7 +8309,7 @@
           <a:p>
             <a:pPr lvl="0"/>
             <a:r>
-              <a:rPr lang="en-US"/>
+              <a:rPr lang="en-US" smtClean="0"/>
               <a:t>Edit Master text styles</a:t>
             </a:r>
           </a:p>
@@ -8233,7 +8383,7 @@
     </p:spTree>
     <p:extLst>
       <p:ext uri="{BB962C8B-B14F-4D97-AF65-F5344CB8AC3E}">
-        <p14:creationId xmlns:p14="http://schemas.microsoft.com/office/powerpoint/2010/main" val="472375145"/>
+        <p14:creationId xmlns:p14="http://schemas.microsoft.com/office/powerpoint/2010/main" val="1262655145"/>
       </p:ext>
     </p:extLst>
   </p:cSld>
@@ -8280,7 +8430,7 @@
           </a:lstStyle>
           <a:p>
             <a:r>
-              <a:rPr lang="en-US"/>
+              <a:rPr lang="en-US" smtClean="0"/>
               <a:t>Click to edit Master title style</a:t>
             </a:r>
             <a:endParaRPr lang="en-US" dirty="0"/>
@@ -8355,7 +8505,7 @@
           <a:p>
             <a:pPr lvl="0"/>
             <a:r>
-              <a:rPr lang="en-US"/>
+              <a:rPr lang="en-US" smtClean="0"/>
               <a:t>Edit Master text styles</a:t>
             </a:r>
           </a:p>
@@ -8422,7 +8572,7 @@
           <a:p>
             <a:pPr lvl="0"/>
             <a:r>
-              <a:rPr lang="en-US"/>
+              <a:rPr lang="en-US" smtClean="0"/>
               <a:t>Edit Master text styles</a:t>
             </a:r>
           </a:p>
@@ -8496,7 +8646,7 @@
           <a:p>
             <a:pPr lvl="0"/>
             <a:r>
-              <a:rPr lang="en-US"/>
+              <a:rPr lang="en-US" smtClean="0"/>
               <a:t>Edit Master text styles</a:t>
             </a:r>
           </a:p>
@@ -8563,7 +8713,7 @@
           <a:p>
             <a:pPr lvl="0"/>
             <a:r>
-              <a:rPr lang="en-US"/>
+              <a:rPr lang="en-US" smtClean="0"/>
               <a:t>Edit Master text styles</a:t>
             </a:r>
           </a:p>
@@ -8637,7 +8787,7 @@
           <a:p>
             <a:pPr lvl="0"/>
             <a:r>
-              <a:rPr lang="en-US"/>
+              <a:rPr lang="en-US" smtClean="0"/>
               <a:t>Edit Master text styles</a:t>
             </a:r>
           </a:p>
@@ -8704,7 +8854,7 @@
           <a:p>
             <a:pPr lvl="0"/>
             <a:r>
-              <a:rPr lang="en-US"/>
+              <a:rPr lang="en-US" smtClean="0"/>
               <a:t>Edit Master text styles</a:t>
             </a:r>
           </a:p>
@@ -8856,7 +9006,7 @@
     </p:spTree>
     <p:extLst>
       <p:ext uri="{BB962C8B-B14F-4D97-AF65-F5344CB8AC3E}">
-        <p14:creationId xmlns:p14="http://schemas.microsoft.com/office/powerpoint/2010/main" val="3241564358"/>
+        <p14:creationId xmlns:p14="http://schemas.microsoft.com/office/powerpoint/2010/main" val="3474537527"/>
       </p:ext>
     </p:extLst>
   </p:cSld>
@@ -8903,7 +9053,7 @@
           </a:lstStyle>
           <a:p>
             <a:r>
-              <a:rPr lang="en-US"/>
+              <a:rPr lang="en-US" smtClean="0"/>
               <a:t>Click to edit Master title style</a:t>
             </a:r>
             <a:endParaRPr lang="en-US" dirty="0"/>
@@ -8978,7 +9128,7 @@
           <a:p>
             <a:pPr lvl="0"/>
             <a:r>
-              <a:rPr lang="en-US"/>
+              <a:rPr lang="en-US" smtClean="0"/>
               <a:t>Edit Master text styles</a:t>
             </a:r>
           </a:p>
@@ -9056,7 +9206,7 @@
           </a:lstStyle>
           <a:p>
             <a:r>
-              <a:rPr lang="en-US"/>
+              <a:rPr lang="en-US" smtClean="0"/>
               <a:t>Click icon to add picture</a:t>
             </a:r>
             <a:endParaRPr lang="en-US" dirty="0"/>
@@ -9124,7 +9274,7 @@
           <a:p>
             <a:pPr lvl="0"/>
             <a:r>
-              <a:rPr lang="en-US"/>
+              <a:rPr lang="en-US" smtClean="0"/>
               <a:t>Edit Master text styles</a:t>
             </a:r>
           </a:p>
@@ -9198,7 +9348,7 @@
           <a:p>
             <a:pPr lvl="0"/>
             <a:r>
-              <a:rPr lang="en-US"/>
+              <a:rPr lang="en-US" smtClean="0"/>
               <a:t>Edit Master text styles</a:t>
             </a:r>
           </a:p>
@@ -9276,7 +9426,7 @@
           </a:lstStyle>
           <a:p>
             <a:r>
-              <a:rPr lang="en-US"/>
+              <a:rPr lang="en-US" smtClean="0"/>
               <a:t>Click icon to add picture</a:t>
             </a:r>
             <a:endParaRPr lang="en-US" dirty="0"/>
@@ -9344,7 +9494,7 @@
           <a:p>
             <a:pPr lvl="0"/>
             <a:r>
-              <a:rPr lang="en-US"/>
+              <a:rPr lang="en-US" smtClean="0"/>
               <a:t>Edit Master text styles</a:t>
             </a:r>
           </a:p>
@@ -9418,7 +9568,7 @@
           <a:p>
             <a:pPr lvl="0"/>
             <a:r>
-              <a:rPr lang="en-US"/>
+              <a:rPr lang="en-US" smtClean="0"/>
               <a:t>Edit Master text styles</a:t>
             </a:r>
           </a:p>
@@ -9496,7 +9646,7 @@
           </a:lstStyle>
           <a:p>
             <a:r>
-              <a:rPr lang="en-US"/>
+              <a:rPr lang="en-US" smtClean="0"/>
               <a:t>Click icon to add picture</a:t>
             </a:r>
             <a:endParaRPr lang="en-US" dirty="0"/>
@@ -9564,7 +9714,7 @@
           <a:p>
             <a:pPr lvl="0"/>
             <a:r>
-              <a:rPr lang="en-US"/>
+              <a:rPr lang="en-US" smtClean="0"/>
               <a:t>Edit Master text styles</a:t>
             </a:r>
           </a:p>
@@ -9716,7 +9866,7 @@
     </p:spTree>
     <p:extLst>
       <p:ext uri="{BB962C8B-B14F-4D97-AF65-F5344CB8AC3E}">
-        <p14:creationId xmlns:p14="http://schemas.microsoft.com/office/powerpoint/2010/main" val="3885173880"/>
+        <p14:creationId xmlns:p14="http://schemas.microsoft.com/office/powerpoint/2010/main" val="3466918378"/>
       </p:ext>
     </p:extLst>
   </p:cSld>
@@ -9759,7 +9909,7 @@
           <a:lstStyle/>
           <a:p>
             <a:r>
-              <a:rPr lang="en-US"/>
+              <a:rPr lang="en-US" smtClean="0"/>
               <a:t>Click to edit Master title style</a:t>
             </a:r>
             <a:endParaRPr lang="en-US" dirty="0"/>
@@ -9783,35 +9933,35 @@
           <a:p>
             <a:pPr lvl="0"/>
             <a:r>
-              <a:rPr lang="en-US"/>
+              <a:rPr lang="en-US" smtClean="0"/>
               <a:t>Edit Master text styles</a:t>
             </a:r>
           </a:p>
           <a:p>
             <a:pPr lvl="1"/>
             <a:r>
-              <a:rPr lang="en-US"/>
+              <a:rPr lang="en-US" smtClean="0"/>
               <a:t>Second level</a:t>
             </a:r>
           </a:p>
           <a:p>
             <a:pPr lvl="2"/>
             <a:r>
-              <a:rPr lang="en-US"/>
+              <a:rPr lang="en-US" smtClean="0"/>
               <a:t>Third level</a:t>
             </a:r>
           </a:p>
           <a:p>
             <a:pPr lvl="3"/>
             <a:r>
-              <a:rPr lang="en-US"/>
+              <a:rPr lang="en-US" smtClean="0"/>
               <a:t>Fourth level</a:t>
             </a:r>
           </a:p>
           <a:p>
             <a:pPr lvl="4"/>
             <a:r>
-              <a:rPr lang="en-US"/>
+              <a:rPr lang="en-US" smtClean="0"/>
               <a:t>Fifth level</a:t>
             </a:r>
             <a:endParaRPr lang="en-US" dirty="0"/>
@@ -9886,7 +10036,7 @@
     </p:spTree>
     <p:extLst>
       <p:ext uri="{BB962C8B-B14F-4D97-AF65-F5344CB8AC3E}">
-        <p14:creationId xmlns:p14="http://schemas.microsoft.com/office/powerpoint/2010/main" val="2376422964"/>
+        <p14:creationId xmlns:p14="http://schemas.microsoft.com/office/powerpoint/2010/main" val="1711262243"/>
       </p:ext>
     </p:extLst>
   </p:cSld>
@@ -9934,7 +10084,7 @@
           <a:lstStyle/>
           <a:p>
             <a:r>
-              <a:rPr lang="en-US"/>
+              <a:rPr lang="en-US" smtClean="0"/>
               <a:t>Click to edit Master title style</a:t>
             </a:r>
             <a:endParaRPr lang="en-US" dirty="0"/>
@@ -9963,35 +10113,35 @@
           <a:p>
             <a:pPr lvl="0"/>
             <a:r>
-              <a:rPr lang="en-US"/>
+              <a:rPr lang="en-US" smtClean="0"/>
               <a:t>Edit Master text styles</a:t>
             </a:r>
           </a:p>
           <a:p>
             <a:pPr lvl="1"/>
             <a:r>
-              <a:rPr lang="en-US"/>
+              <a:rPr lang="en-US" smtClean="0"/>
               <a:t>Second level</a:t>
             </a:r>
           </a:p>
           <a:p>
             <a:pPr lvl="2"/>
             <a:r>
-              <a:rPr lang="en-US"/>
+              <a:rPr lang="en-US" smtClean="0"/>
               <a:t>Third level</a:t>
             </a:r>
           </a:p>
           <a:p>
             <a:pPr lvl="3"/>
             <a:r>
-              <a:rPr lang="en-US"/>
+              <a:rPr lang="en-US" smtClean="0"/>
               <a:t>Fourth level</a:t>
             </a:r>
           </a:p>
           <a:p>
             <a:pPr lvl="4"/>
             <a:r>
-              <a:rPr lang="en-US"/>
+              <a:rPr lang="en-US" smtClean="0"/>
               <a:t>Fifth level</a:t>
             </a:r>
             <a:endParaRPr lang="en-US" dirty="0"/>
@@ -10066,7 +10216,7 @@
     </p:spTree>
     <p:extLst>
       <p:ext uri="{BB962C8B-B14F-4D97-AF65-F5344CB8AC3E}">
-        <p14:creationId xmlns:p14="http://schemas.microsoft.com/office/powerpoint/2010/main" val="923857336"/>
+        <p14:creationId xmlns:p14="http://schemas.microsoft.com/office/powerpoint/2010/main" val="2038829703"/>
       </p:ext>
     </p:extLst>
   </p:cSld>
@@ -10109,7 +10259,7 @@
           <a:lstStyle/>
           <a:p>
             <a:r>
-              <a:rPr lang="en-US"/>
+              <a:rPr lang="en-US" smtClean="0"/>
               <a:t>Click to edit Master title style</a:t>
             </a:r>
             <a:endParaRPr lang="en-US" dirty="0"/>
@@ -10133,35 +10283,35 @@
           <a:p>
             <a:pPr lvl="0"/>
             <a:r>
-              <a:rPr lang="en-US"/>
+              <a:rPr lang="en-US" smtClean="0"/>
               <a:t>Edit Master text styles</a:t>
             </a:r>
           </a:p>
           <a:p>
             <a:pPr lvl="1"/>
             <a:r>
-              <a:rPr lang="en-US"/>
+              <a:rPr lang="en-US" smtClean="0"/>
               <a:t>Second level</a:t>
             </a:r>
           </a:p>
           <a:p>
             <a:pPr lvl="2"/>
             <a:r>
-              <a:rPr lang="en-US"/>
+              <a:rPr lang="en-US" smtClean="0"/>
               <a:t>Third level</a:t>
             </a:r>
           </a:p>
           <a:p>
             <a:pPr lvl="3"/>
             <a:r>
-              <a:rPr lang="en-US"/>
+              <a:rPr lang="en-US" smtClean="0"/>
               <a:t>Fourth level</a:t>
             </a:r>
           </a:p>
           <a:p>
             <a:pPr lvl="4"/>
             <a:r>
-              <a:rPr lang="en-US"/>
+              <a:rPr lang="en-US" smtClean="0"/>
               <a:t>Fifth level</a:t>
             </a:r>
             <a:endParaRPr lang="en-US" dirty="0"/>
@@ -10236,7 +10386,7 @@
     </p:spTree>
     <p:extLst>
       <p:ext uri="{BB962C8B-B14F-4D97-AF65-F5344CB8AC3E}">
-        <p14:creationId xmlns:p14="http://schemas.microsoft.com/office/powerpoint/2010/main" val="3693387807"/>
+        <p14:creationId xmlns:p14="http://schemas.microsoft.com/office/powerpoint/2010/main" val="949156802"/>
       </p:ext>
     </p:extLst>
   </p:cSld>
@@ -10288,7 +10438,7 @@
           </a:lstStyle>
           <a:p>
             <a:r>
-              <a:rPr lang="en-US"/>
+              <a:rPr lang="en-US" smtClean="0"/>
               <a:t>Click to edit Master title style</a:t>
             </a:r>
             <a:endParaRPr lang="en-US" dirty="0"/>
@@ -10409,7 +10559,7 @@
           <a:p>
             <a:pPr lvl="0"/>
             <a:r>
-              <a:rPr lang="en-US"/>
+              <a:rPr lang="en-US" smtClean="0"/>
               <a:t>Edit Master text styles</a:t>
             </a:r>
           </a:p>
@@ -10483,7 +10633,7 @@
     </p:spTree>
     <p:extLst>
       <p:ext uri="{BB962C8B-B14F-4D97-AF65-F5344CB8AC3E}">
-        <p14:creationId xmlns:p14="http://schemas.microsoft.com/office/powerpoint/2010/main" val="2725799365"/>
+        <p14:creationId xmlns:p14="http://schemas.microsoft.com/office/powerpoint/2010/main" val="3118687220"/>
       </p:ext>
     </p:extLst>
   </p:cSld>
@@ -10526,7 +10676,7 @@
           <a:lstStyle/>
           <a:p>
             <a:r>
-              <a:rPr lang="en-US"/>
+              <a:rPr lang="en-US" smtClean="0"/>
               <a:t>Click to edit Master title style</a:t>
             </a:r>
             <a:endParaRPr lang="en-US" dirty="0"/>
@@ -10585,35 +10735,35 @@
           <a:p>
             <a:pPr lvl="0"/>
             <a:r>
-              <a:rPr lang="en-US"/>
+              <a:rPr lang="en-US" smtClean="0"/>
               <a:t>Edit Master text styles</a:t>
             </a:r>
           </a:p>
           <a:p>
             <a:pPr lvl="1"/>
             <a:r>
-              <a:rPr lang="en-US"/>
+              <a:rPr lang="en-US" smtClean="0"/>
               <a:t>Second level</a:t>
             </a:r>
           </a:p>
           <a:p>
             <a:pPr lvl="2"/>
             <a:r>
-              <a:rPr lang="en-US"/>
+              <a:rPr lang="en-US" smtClean="0"/>
               <a:t>Third level</a:t>
             </a:r>
           </a:p>
           <a:p>
             <a:pPr lvl="3"/>
             <a:r>
-              <a:rPr lang="en-US"/>
+              <a:rPr lang="en-US" smtClean="0"/>
               <a:t>Fourth level</a:t>
             </a:r>
           </a:p>
           <a:p>
             <a:pPr lvl="4"/>
             <a:r>
-              <a:rPr lang="en-US"/>
+              <a:rPr lang="en-US" smtClean="0"/>
               <a:t>Fifth level</a:t>
             </a:r>
             <a:endParaRPr lang="en-US" dirty="0"/>
@@ -10672,35 +10822,35 @@
           <a:p>
             <a:pPr lvl="0"/>
             <a:r>
-              <a:rPr lang="en-US"/>
+              <a:rPr lang="en-US" smtClean="0"/>
               <a:t>Edit Master text styles</a:t>
             </a:r>
           </a:p>
           <a:p>
             <a:pPr lvl="1"/>
             <a:r>
-              <a:rPr lang="en-US"/>
+              <a:rPr lang="en-US" smtClean="0"/>
               <a:t>Second level</a:t>
             </a:r>
           </a:p>
           <a:p>
             <a:pPr lvl="2"/>
             <a:r>
-              <a:rPr lang="en-US"/>
+              <a:rPr lang="en-US" smtClean="0"/>
               <a:t>Third level</a:t>
             </a:r>
           </a:p>
           <a:p>
             <a:pPr lvl="3"/>
             <a:r>
-              <a:rPr lang="en-US"/>
+              <a:rPr lang="en-US" smtClean="0"/>
               <a:t>Fourth level</a:t>
             </a:r>
           </a:p>
           <a:p>
             <a:pPr lvl="4"/>
             <a:r>
-              <a:rPr lang="en-US"/>
+              <a:rPr lang="en-US" smtClean="0"/>
               <a:t>Fifth level</a:t>
             </a:r>
             <a:endParaRPr lang="en-US" dirty="0"/>
@@ -10775,7 +10925,7 @@
     </p:spTree>
     <p:extLst>
       <p:ext uri="{BB962C8B-B14F-4D97-AF65-F5344CB8AC3E}">
-        <p14:creationId xmlns:p14="http://schemas.microsoft.com/office/powerpoint/2010/main" val="262622675"/>
+        <p14:creationId xmlns:p14="http://schemas.microsoft.com/office/powerpoint/2010/main" val="2180636048"/>
       </p:ext>
     </p:extLst>
   </p:cSld>
@@ -10822,7 +10972,7 @@
           </a:lstStyle>
           <a:p>
             <a:r>
-              <a:rPr lang="en-US"/>
+              <a:rPr lang="en-US" smtClean="0"/>
               <a:t>Click to edit Master title style</a:t>
             </a:r>
             <a:endParaRPr lang="en-US" dirty="0"/>
@@ -10897,7 +11047,7 @@
           <a:p>
             <a:pPr lvl="0"/>
             <a:r>
-              <a:rPr lang="en-US"/>
+              <a:rPr lang="en-US" smtClean="0"/>
               <a:t>Edit Master text styles</a:t>
             </a:r>
           </a:p>
@@ -10955,35 +11105,35 @@
           <a:p>
             <a:pPr lvl="0"/>
             <a:r>
-              <a:rPr lang="en-US"/>
+              <a:rPr lang="en-US" smtClean="0"/>
               <a:t>Edit Master text styles</a:t>
             </a:r>
           </a:p>
           <a:p>
             <a:pPr lvl="1"/>
             <a:r>
-              <a:rPr lang="en-US"/>
+              <a:rPr lang="en-US" smtClean="0"/>
               <a:t>Second level</a:t>
             </a:r>
           </a:p>
           <a:p>
             <a:pPr lvl="2"/>
             <a:r>
-              <a:rPr lang="en-US"/>
+              <a:rPr lang="en-US" smtClean="0"/>
               <a:t>Third level</a:t>
             </a:r>
           </a:p>
           <a:p>
             <a:pPr lvl="3"/>
             <a:r>
-              <a:rPr lang="en-US"/>
+              <a:rPr lang="en-US" smtClean="0"/>
               <a:t>Fourth level</a:t>
             </a:r>
           </a:p>
           <a:p>
             <a:pPr lvl="4"/>
             <a:r>
-              <a:rPr lang="en-US"/>
+              <a:rPr lang="en-US" smtClean="0"/>
               <a:t>Fifth level</a:t>
             </a:r>
             <a:endParaRPr lang="en-US" dirty="0"/>
@@ -11058,7 +11208,7 @@
           <a:p>
             <a:pPr lvl="0"/>
             <a:r>
-              <a:rPr lang="en-US"/>
+              <a:rPr lang="en-US" smtClean="0"/>
               <a:t>Edit Master text styles</a:t>
             </a:r>
           </a:p>
@@ -11116,35 +11266,35 @@
           <a:p>
             <a:pPr lvl="0"/>
             <a:r>
-              <a:rPr lang="en-US"/>
+              <a:rPr lang="en-US" smtClean="0"/>
               <a:t>Edit Master text styles</a:t>
             </a:r>
           </a:p>
           <a:p>
             <a:pPr lvl="1"/>
             <a:r>
-              <a:rPr lang="en-US"/>
+              <a:rPr lang="en-US" smtClean="0"/>
               <a:t>Second level</a:t>
             </a:r>
           </a:p>
           <a:p>
             <a:pPr lvl="2"/>
             <a:r>
-              <a:rPr lang="en-US"/>
+              <a:rPr lang="en-US" smtClean="0"/>
               <a:t>Third level</a:t>
             </a:r>
           </a:p>
           <a:p>
             <a:pPr lvl="3"/>
             <a:r>
-              <a:rPr lang="en-US"/>
+              <a:rPr lang="en-US" smtClean="0"/>
               <a:t>Fourth level</a:t>
             </a:r>
           </a:p>
           <a:p>
             <a:pPr lvl="4"/>
             <a:r>
-              <a:rPr lang="en-US"/>
+              <a:rPr lang="en-US" smtClean="0"/>
               <a:t>Fifth level</a:t>
             </a:r>
             <a:endParaRPr lang="en-US" dirty="0"/>
@@ -11219,7 +11369,7 @@
     </p:spTree>
     <p:extLst>
       <p:ext uri="{BB962C8B-B14F-4D97-AF65-F5344CB8AC3E}">
-        <p14:creationId xmlns:p14="http://schemas.microsoft.com/office/powerpoint/2010/main" val="614026235"/>
+        <p14:creationId xmlns:p14="http://schemas.microsoft.com/office/powerpoint/2010/main" val="2932156794"/>
       </p:ext>
     </p:extLst>
   </p:cSld>
@@ -11262,7 +11412,7 @@
           <a:lstStyle/>
           <a:p>
             <a:r>
-              <a:rPr lang="en-US"/>
+              <a:rPr lang="en-US" smtClean="0"/>
               <a:t>Click to edit Master title style</a:t>
             </a:r>
             <a:endParaRPr lang="en-US" dirty="0"/>
@@ -11337,7 +11487,7 @@
     </p:spTree>
     <p:extLst>
       <p:ext uri="{BB962C8B-B14F-4D97-AF65-F5344CB8AC3E}">
-        <p14:creationId xmlns:p14="http://schemas.microsoft.com/office/powerpoint/2010/main" val="2502181943"/>
+        <p14:creationId xmlns:p14="http://schemas.microsoft.com/office/powerpoint/2010/main" val="2910329148"/>
       </p:ext>
     </p:extLst>
   </p:cSld>
@@ -11432,7 +11582,7 @@
     </p:spTree>
     <p:extLst>
       <p:ext uri="{BB962C8B-B14F-4D97-AF65-F5344CB8AC3E}">
-        <p14:creationId xmlns:p14="http://schemas.microsoft.com/office/powerpoint/2010/main" val="3851269747"/>
+        <p14:creationId xmlns:p14="http://schemas.microsoft.com/office/powerpoint/2010/main" val="1725465489"/>
       </p:ext>
     </p:extLst>
   </p:cSld>
@@ -11484,7 +11634,7 @@
           </a:lstStyle>
           <a:p>
             <a:r>
-              <a:rPr lang="en-US"/>
+              <a:rPr lang="en-US" smtClean="0"/>
               <a:t>Click to edit Master title style</a:t>
             </a:r>
             <a:endParaRPr lang="en-US" dirty="0"/>
@@ -11543,35 +11693,35 @@
           <a:p>
             <a:pPr lvl="0"/>
             <a:r>
-              <a:rPr lang="en-US"/>
+              <a:rPr lang="en-US" smtClean="0"/>
               <a:t>Edit Master text styles</a:t>
             </a:r>
           </a:p>
           <a:p>
             <a:pPr lvl="1"/>
             <a:r>
-              <a:rPr lang="en-US"/>
+              <a:rPr lang="en-US" smtClean="0"/>
               <a:t>Second level</a:t>
             </a:r>
           </a:p>
           <a:p>
             <a:pPr lvl="2"/>
             <a:r>
-              <a:rPr lang="en-US"/>
+              <a:rPr lang="en-US" smtClean="0"/>
               <a:t>Third level</a:t>
             </a:r>
           </a:p>
           <a:p>
             <a:pPr lvl="3"/>
             <a:r>
-              <a:rPr lang="en-US"/>
+              <a:rPr lang="en-US" smtClean="0"/>
               <a:t>Fourth level</a:t>
             </a:r>
           </a:p>
           <a:p>
             <a:pPr lvl="4"/>
             <a:r>
-              <a:rPr lang="en-US"/>
+              <a:rPr lang="en-US" smtClean="0"/>
               <a:t>Fifth level</a:t>
             </a:r>
             <a:endParaRPr lang="en-US" dirty="0"/>
@@ -11637,7 +11787,7 @@
           <a:p>
             <a:pPr lvl="0"/>
             <a:r>
-              <a:rPr lang="en-US"/>
+              <a:rPr lang="en-US" smtClean="0"/>
               <a:t>Edit Master text styles</a:t>
             </a:r>
           </a:p>
@@ -11711,7 +11861,7 @@
     </p:spTree>
     <p:extLst>
       <p:ext uri="{BB962C8B-B14F-4D97-AF65-F5344CB8AC3E}">
-        <p14:creationId xmlns:p14="http://schemas.microsoft.com/office/powerpoint/2010/main" val="698166857"/>
+        <p14:creationId xmlns:p14="http://schemas.microsoft.com/office/powerpoint/2010/main" val="2596265992"/>
       </p:ext>
     </p:extLst>
   </p:cSld>
@@ -11765,7 +11915,7 @@
           </a:lstStyle>
           <a:p>
             <a:r>
-              <a:rPr lang="en-US"/>
+              <a:rPr lang="en-US" smtClean="0"/>
               <a:t>Click to edit Master title style</a:t>
             </a:r>
             <a:endParaRPr lang="en-US" dirty="0"/>
@@ -11844,7 +11994,7 @@
           </a:lstStyle>
           <a:p>
             <a:r>
-              <a:rPr lang="en-US"/>
+              <a:rPr lang="en-US" smtClean="0"/>
               <a:t>Click icon to add picture</a:t>
             </a:r>
             <a:endParaRPr lang="en-US" dirty="0"/>
@@ -11912,7 +12062,7 @@
           <a:p>
             <a:pPr lvl="0"/>
             <a:r>
-              <a:rPr lang="en-US"/>
+              <a:rPr lang="en-US" smtClean="0"/>
               <a:t>Edit Master text styles</a:t>
             </a:r>
           </a:p>
@@ -11986,7 +12136,7 @@
     </p:spTree>
     <p:extLst>
       <p:ext uri="{BB962C8B-B14F-4D97-AF65-F5344CB8AC3E}">
-        <p14:creationId xmlns:p14="http://schemas.microsoft.com/office/powerpoint/2010/main" val="4121729804"/>
+        <p14:creationId xmlns:p14="http://schemas.microsoft.com/office/powerpoint/2010/main" val="2365141711"/>
       </p:ext>
     </p:extLst>
   </p:cSld>
@@ -12259,7 +12409,7 @@
           <a:lstStyle/>
           <a:p>
             <a:r>
-              <a:rPr lang="en-US"/>
+              <a:rPr lang="en-US" smtClean="0"/>
               <a:t>Click to edit Master title style</a:t>
             </a:r>
             <a:endParaRPr lang="en-US" dirty="0"/>
@@ -12293,35 +12443,35 @@
           <a:p>
             <a:pPr lvl="0"/>
             <a:r>
-              <a:rPr lang="en-US"/>
+              <a:rPr lang="en-US" smtClean="0"/>
               <a:t>Edit Master text styles</a:t>
             </a:r>
           </a:p>
           <a:p>
             <a:pPr lvl="1"/>
             <a:r>
-              <a:rPr lang="en-US"/>
+              <a:rPr lang="en-US" smtClean="0"/>
               <a:t>Second level</a:t>
             </a:r>
           </a:p>
           <a:p>
             <a:pPr lvl="2"/>
             <a:r>
-              <a:rPr lang="en-US"/>
+              <a:rPr lang="en-US" smtClean="0"/>
               <a:t>Third level</a:t>
             </a:r>
           </a:p>
           <a:p>
             <a:pPr lvl="3"/>
             <a:r>
-              <a:rPr lang="en-US"/>
+              <a:rPr lang="en-US" smtClean="0"/>
               <a:t>Fourth level</a:t>
             </a:r>
           </a:p>
           <a:p>
             <a:pPr lvl="4"/>
             <a:r>
-              <a:rPr lang="en-US"/>
+              <a:rPr lang="en-US" smtClean="0"/>
               <a:t>Fifth level</a:t>
             </a:r>
             <a:endParaRPr lang="en-US" dirty="0"/>
@@ -12452,29 +12602,29 @@
     </p:spTree>
     <p:extLst>
       <p:ext uri="{BB962C8B-B14F-4D97-AF65-F5344CB8AC3E}">
-        <p14:creationId xmlns:p14="http://schemas.microsoft.com/office/powerpoint/2010/main" val="1596820534"/>
+        <p14:creationId xmlns:p14="http://schemas.microsoft.com/office/powerpoint/2010/main" val="2283059543"/>
       </p:ext>
     </p:extLst>
   </p:cSld>
   <p:clrMap bg1="dk1" tx1="lt1" bg2="dk2" tx2="lt2" accent1="accent1" accent2="accent2" accent3="accent3" accent4="accent4" accent5="accent5" accent6="accent6" hlink="hlink" folHlink="folHlink"/>
   <p:sldLayoutIdLst>
-    <p:sldLayoutId id="2147483696" r:id="rId1"/>
-    <p:sldLayoutId id="2147483697" r:id="rId2"/>
-    <p:sldLayoutId id="2147483698" r:id="rId3"/>
-    <p:sldLayoutId id="2147483699" r:id="rId4"/>
-    <p:sldLayoutId id="2147483700" r:id="rId5"/>
-    <p:sldLayoutId id="2147483701" r:id="rId6"/>
-    <p:sldLayoutId id="2147483702" r:id="rId7"/>
-    <p:sldLayoutId id="2147483703" r:id="rId8"/>
-    <p:sldLayoutId id="2147483704" r:id="rId9"/>
-    <p:sldLayoutId id="2147483705" r:id="rId10"/>
-    <p:sldLayoutId id="2147483706" r:id="rId11"/>
-    <p:sldLayoutId id="2147483707" r:id="rId12"/>
-    <p:sldLayoutId id="2147483708" r:id="rId13"/>
-    <p:sldLayoutId id="2147483709" r:id="rId14"/>
-    <p:sldLayoutId id="2147483710" r:id="rId15"/>
-    <p:sldLayoutId id="2147483711" r:id="rId16"/>
-    <p:sldLayoutId id="2147483712" r:id="rId17"/>
+    <p:sldLayoutId id="2147483726" r:id="rId1"/>
+    <p:sldLayoutId id="2147483727" r:id="rId2"/>
+    <p:sldLayoutId id="2147483728" r:id="rId3"/>
+    <p:sldLayoutId id="2147483729" r:id="rId4"/>
+    <p:sldLayoutId id="2147483730" r:id="rId5"/>
+    <p:sldLayoutId id="2147483731" r:id="rId6"/>
+    <p:sldLayoutId id="2147483732" r:id="rId7"/>
+    <p:sldLayoutId id="2147483733" r:id="rId8"/>
+    <p:sldLayoutId id="2147483734" r:id="rId9"/>
+    <p:sldLayoutId id="2147483735" r:id="rId10"/>
+    <p:sldLayoutId id="2147483736" r:id="rId11"/>
+    <p:sldLayoutId id="2147483737" r:id="rId12"/>
+    <p:sldLayoutId id="2147483738" r:id="rId13"/>
+    <p:sldLayoutId id="2147483739" r:id="rId14"/>
+    <p:sldLayoutId id="2147483740" r:id="rId15"/>
+    <p:sldLayoutId id="2147483741" r:id="rId16"/>
+    <p:sldLayoutId id="2147483742" r:id="rId17"/>
   </p:sldLayoutIdLst>
   <p:txStyles>
     <p:titleStyle>
@@ -12917,486 +13067,6 @@
           <a:chExt cx="0" cy="0"/>
         </a:xfrm>
       </p:grpSpPr>
-      <p:sp>
-        <p:nvSpPr>
-          <p:cNvPr id="55" name="Rectangle 54">
-            <a:extLst>
-              <a:ext uri="{FF2B5EF4-FFF2-40B4-BE49-F238E27FC236}">
-                <a16:creationId xmlns:a16="http://schemas.microsoft.com/office/drawing/2014/main" id="{EADB8294-BBF5-4EE7-8D08-DDECD12A1E3A}"/>
-              </a:ext>
-              <a:ext uri="{C183D7F6-B498-43B3-948B-1728B52AA6E4}">
-                <adec:decorative xmlns:adec="http://schemas.microsoft.com/office/drawing/2017/decorative" val="1"/>
-              </a:ext>
-            </a:extLst>
-          </p:cNvPr>
-          <p:cNvSpPr>
-            <a:spLocks noGrp="1" noRot="1" noChangeAspect="1" noMove="1" noResize="1" noEditPoints="1" noAdjustHandles="1" noChangeArrowheads="1" noChangeShapeType="1" noTextEdit="1"/>
-          </p:cNvSpPr>
-          <p:nvPr>
-            <p:extLst>
-              <p:ext uri="{386F3935-93C4-4BCD-93E2-E3B085C9AB24}">
-                <p16:designElem xmlns:p16="http://schemas.microsoft.com/office/powerpoint/2015/main" val="1"/>
-              </p:ext>
-            </p:extLst>
-          </p:nvPr>
-        </p:nvSpPr>
-        <p:spPr>
-          <a:xfrm>
-            <a:off x="0" y="-5"/>
-            <a:ext cx="12191695" cy="4730744"/>
-          </a:xfrm>
-          <a:prstGeom prst="rect">
-            <a:avLst/>
-          </a:prstGeom>
-          <a:solidFill>
-            <a:srgbClr val="FFFFFF"/>
-          </a:solidFill>
-          <a:ln>
-            <a:noFill/>
-          </a:ln>
-        </p:spPr>
-        <p:style>
-          <a:lnRef idx="2">
-            <a:schemeClr val="accent1">
-              <a:shade val="50000"/>
-            </a:schemeClr>
-          </a:lnRef>
-          <a:fillRef idx="1">
-            <a:schemeClr val="accent1"/>
-          </a:fillRef>
-          <a:effectRef idx="0">
-            <a:schemeClr val="accent1"/>
-          </a:effectRef>
-          <a:fontRef idx="minor">
-            <a:schemeClr val="lt1"/>
-          </a:fontRef>
-        </p:style>
-        <p:txBody>
-          <a:bodyPr rtlCol="0" anchor="ctr"/>
-          <a:lstStyle/>
-          <a:p>
-            <a:pPr algn="ctr"/>
-            <a:endParaRPr lang="en-US"/>
-          </a:p>
-        </p:txBody>
-      </p:sp>
-      <p:sp>
-        <p:nvSpPr>
-          <p:cNvPr id="57" name="Rectangle 56">
-            <a:extLst>
-              <a:ext uri="{FF2B5EF4-FFF2-40B4-BE49-F238E27FC236}">
-                <a16:creationId xmlns:a16="http://schemas.microsoft.com/office/drawing/2014/main" id="{C2AA68CD-BBCC-4482-B4F9-3EBE3A75D098}"/>
-              </a:ext>
-              <a:ext uri="{C183D7F6-B498-43B3-948B-1728B52AA6E4}">
-                <adec:decorative xmlns:adec="http://schemas.microsoft.com/office/drawing/2017/decorative" val="1"/>
-              </a:ext>
-            </a:extLst>
-          </p:cNvPr>
-          <p:cNvSpPr>
-            <a:spLocks noGrp="1" noRot="1" noChangeAspect="1" noMove="1" noResize="1" noEditPoints="1" noAdjustHandles="1" noChangeArrowheads="1" noChangeShapeType="1" noTextEdit="1"/>
-          </p:cNvSpPr>
-          <p:nvPr>
-            <p:extLst>
-              <p:ext uri="{386F3935-93C4-4BCD-93E2-E3B085C9AB24}">
-                <p16:designElem xmlns:p16="http://schemas.microsoft.com/office/powerpoint/2015/main" val="1"/>
-              </p:ext>
-            </p:extLst>
-          </p:nvPr>
-        </p:nvSpPr>
-        <p:spPr>
-          <a:xfrm>
-            <a:off x="10437812" y="0"/>
-            <a:ext cx="685800" cy="1143000"/>
-          </a:xfrm>
-          <a:prstGeom prst="rect">
-            <a:avLst/>
-          </a:prstGeom>
-          <a:solidFill>
-            <a:schemeClr val="accent1"/>
-          </a:solidFill>
-          <a:ln>
-            <a:noFill/>
-          </a:ln>
-        </p:spPr>
-        <p:style>
-          <a:lnRef idx="1">
-            <a:schemeClr val="accent1"/>
-          </a:lnRef>
-          <a:fillRef idx="3">
-            <a:schemeClr val="accent1"/>
-          </a:fillRef>
-          <a:effectRef idx="2">
-            <a:schemeClr val="accent1"/>
-          </a:effectRef>
-          <a:fontRef idx="minor">
-            <a:schemeClr val="lt1"/>
-          </a:fontRef>
-        </p:style>
-      </p:sp>
-      <p:sp>
-        <p:nvSpPr>
-          <p:cNvPr id="59" name="Freeform 15">
-            <a:extLst>
-              <a:ext uri="{FF2B5EF4-FFF2-40B4-BE49-F238E27FC236}">
-                <a16:creationId xmlns:a16="http://schemas.microsoft.com/office/drawing/2014/main" id="{B58816D9-9E81-4B2B-95D3-C398BF15E19C}"/>
-              </a:ext>
-              <a:ext uri="{C183D7F6-B498-43B3-948B-1728B52AA6E4}">
-                <adec:decorative xmlns:adec="http://schemas.microsoft.com/office/drawing/2017/decorative" val="1"/>
-              </a:ext>
-            </a:extLst>
-          </p:cNvPr>
-          <p:cNvSpPr>
-            <a:spLocks noGrp="1" noRot="1" noChangeAspect="1" noMove="1" noResize="1" noEditPoints="1" noAdjustHandles="1" noChangeArrowheads="1" noChangeShapeType="1" noTextEdit="1"/>
-          </p:cNvSpPr>
-          <p:nvPr>
-            <p:extLst>
-              <p:ext uri="{386F3935-93C4-4BCD-93E2-E3B085C9AB24}">
-                <p16:designElem xmlns:p16="http://schemas.microsoft.com/office/powerpoint/2015/main" val="1"/>
-              </p:ext>
-            </p:extLst>
-          </p:nvPr>
-        </p:nvSpPr>
-        <p:spPr>
-          <a:xfrm>
-            <a:off x="8719939" y="3753695"/>
-            <a:ext cx="3472060" cy="825932"/>
-          </a:xfrm>
-          <a:custGeom>
-            <a:avLst/>
-            <a:gdLst>
-              <a:gd name="connsiteX0" fmla="*/ 3470310 w 3472060"/>
-              <a:gd name="connsiteY0" fmla="*/ 0 h 825932"/>
-              <a:gd name="connsiteX1" fmla="*/ 3472060 w 3472060"/>
-              <a:gd name="connsiteY1" fmla="*/ 12850 h 825932"/>
-              <a:gd name="connsiteX2" fmla="*/ 3472060 w 3472060"/>
-              <a:gd name="connsiteY2" fmla="*/ 480529 h 825932"/>
-              <a:gd name="connsiteX3" fmla="*/ 3363699 w 3472060"/>
-              <a:gd name="connsiteY3" fmla="*/ 498471 h 825932"/>
-              <a:gd name="connsiteX4" fmla="*/ 42060 w 3472060"/>
-              <a:gd name="connsiteY4" fmla="*/ 824486 h 825932"/>
-              <a:gd name="connsiteX5" fmla="*/ 0 w 3472060"/>
-              <a:gd name="connsiteY5" fmla="*/ 758452 h 825932"/>
-              <a:gd name="connsiteX6" fmla="*/ 188014 w 3472060"/>
-              <a:gd name="connsiteY6" fmla="*/ 735602 h 825932"/>
-              <a:gd name="connsiteX7" fmla="*/ 284087 w 3472060"/>
-              <a:gd name="connsiteY7" fmla="*/ 722590 h 825932"/>
-              <a:gd name="connsiteX8" fmla="*/ 382288 w 3472060"/>
-              <a:gd name="connsiteY8" fmla="*/ 709392 h 825932"/>
-              <a:gd name="connsiteX9" fmla="*/ 481858 w 3472060"/>
-              <a:gd name="connsiteY9" fmla="*/ 695774 h 825932"/>
-              <a:gd name="connsiteX10" fmla="*/ 581897 w 3472060"/>
-              <a:gd name="connsiteY10" fmla="*/ 680711 h 825932"/>
-              <a:gd name="connsiteX11" fmla="*/ 683670 w 3472060"/>
-              <a:gd name="connsiteY11" fmla="*/ 665256 h 825932"/>
-              <a:gd name="connsiteX12" fmla="*/ 787206 w 3472060"/>
-              <a:gd name="connsiteY12" fmla="*/ 649587 h 825932"/>
-              <a:gd name="connsiteX13" fmla="*/ 892019 w 3472060"/>
-              <a:gd name="connsiteY13" fmla="*/ 632968 h 825932"/>
-              <a:gd name="connsiteX14" fmla="*/ 997620 w 3472060"/>
-              <a:gd name="connsiteY14" fmla="*/ 614667 h 825932"/>
-              <a:gd name="connsiteX15" fmla="*/ 1104727 w 3472060"/>
-              <a:gd name="connsiteY15" fmla="*/ 596741 h 825932"/>
-              <a:gd name="connsiteX16" fmla="*/ 1212669 w 3472060"/>
-              <a:gd name="connsiteY16" fmla="*/ 577397 h 825932"/>
-              <a:gd name="connsiteX17" fmla="*/ 1321506 w 3472060"/>
-              <a:gd name="connsiteY17" fmla="*/ 556988 h 825932"/>
-              <a:gd name="connsiteX18" fmla="*/ 1430709 w 3472060"/>
-              <a:gd name="connsiteY18" fmla="*/ 536607 h 825932"/>
-              <a:gd name="connsiteX19" fmla="*/ 1541050 w 3472060"/>
-              <a:gd name="connsiteY19" fmla="*/ 514481 h 825932"/>
-              <a:gd name="connsiteX20" fmla="*/ 1652805 w 3472060"/>
-              <a:gd name="connsiteY20" fmla="*/ 492202 h 825932"/>
-              <a:gd name="connsiteX21" fmla="*/ 1763708 w 3472060"/>
-              <a:gd name="connsiteY21" fmla="*/ 469161 h 825932"/>
-              <a:gd name="connsiteX22" fmla="*/ 1875795 w 3472060"/>
-              <a:gd name="connsiteY22" fmla="*/ 444641 h 825932"/>
-              <a:gd name="connsiteX23" fmla="*/ 1989128 w 3472060"/>
-              <a:gd name="connsiteY23" fmla="*/ 418995 h 825932"/>
-              <a:gd name="connsiteX24" fmla="*/ 2102476 w 3472060"/>
-              <a:gd name="connsiteY24" fmla="*/ 393438 h 825932"/>
-              <a:gd name="connsiteX25" fmla="*/ 2215549 w 3472060"/>
-              <a:gd name="connsiteY25" fmla="*/ 366291 h 825932"/>
-              <a:gd name="connsiteX26" fmla="*/ 2330490 w 3472060"/>
-              <a:gd name="connsiteY26" fmla="*/ 337455 h 825932"/>
-              <a:gd name="connsiteX27" fmla="*/ 2443333 w 3472060"/>
-              <a:gd name="connsiteY27" fmla="*/ 308983 h 825932"/>
-              <a:gd name="connsiteX28" fmla="*/ 2558014 w 3472060"/>
-              <a:gd name="connsiteY28" fmla="*/ 278646 h 825932"/>
-              <a:gd name="connsiteX29" fmla="*/ 2673621 w 3472060"/>
-              <a:gd name="connsiteY29" fmla="*/ 247421 h 825932"/>
-              <a:gd name="connsiteX30" fmla="*/ 2787008 w 3472060"/>
-              <a:gd name="connsiteY30" fmla="*/ 215853 h 825932"/>
-              <a:gd name="connsiteX31" fmla="*/ 2901442 w 3472060"/>
-              <a:gd name="connsiteY31" fmla="*/ 182011 h 825932"/>
-              <a:gd name="connsiteX32" fmla="*/ 3015722 w 3472060"/>
-              <a:gd name="connsiteY32" fmla="*/ 147286 h 825932"/>
-              <a:gd name="connsiteX33" fmla="*/ 3130018 w 3472060"/>
-              <a:gd name="connsiteY33" fmla="*/ 112649 h 825932"/>
-              <a:gd name="connsiteX34" fmla="*/ 3243551 w 3472060"/>
-              <a:gd name="connsiteY34" fmla="*/ 75688 h 825932"/>
-              <a:gd name="connsiteX35" fmla="*/ 3356992 w 3472060"/>
-              <a:gd name="connsiteY35" fmla="*/ 38197 h 825932"/>
-              <a:gd name="connsiteX36" fmla="*/ 3470310 w 3472060"/>
-              <a:gd name="connsiteY36" fmla="*/ 0 h 825932"/>
-            </a:gdLst>
-            <a:ahLst/>
-            <a:cxnLst>
-              <a:cxn ang="0">
-                <a:pos x="connsiteX0" y="connsiteY0"/>
-              </a:cxn>
-              <a:cxn ang="0">
-                <a:pos x="connsiteX1" y="connsiteY1"/>
-              </a:cxn>
-              <a:cxn ang="0">
-                <a:pos x="connsiteX2" y="connsiteY2"/>
-              </a:cxn>
-              <a:cxn ang="0">
-                <a:pos x="connsiteX3" y="connsiteY3"/>
-              </a:cxn>
-              <a:cxn ang="0">
-                <a:pos x="connsiteX4" y="connsiteY4"/>
-              </a:cxn>
-              <a:cxn ang="0">
-                <a:pos x="connsiteX5" y="connsiteY5"/>
-              </a:cxn>
-              <a:cxn ang="0">
-                <a:pos x="connsiteX6" y="connsiteY6"/>
-              </a:cxn>
-              <a:cxn ang="0">
-                <a:pos x="connsiteX7" y="connsiteY7"/>
-              </a:cxn>
-              <a:cxn ang="0">
-                <a:pos x="connsiteX8" y="connsiteY8"/>
-              </a:cxn>
-              <a:cxn ang="0">
-                <a:pos x="connsiteX9" y="connsiteY9"/>
-              </a:cxn>
-              <a:cxn ang="0">
-                <a:pos x="connsiteX10" y="connsiteY10"/>
-              </a:cxn>
-              <a:cxn ang="0">
-                <a:pos x="connsiteX11" y="connsiteY11"/>
-              </a:cxn>
-              <a:cxn ang="0">
-                <a:pos x="connsiteX12" y="connsiteY12"/>
-              </a:cxn>
-              <a:cxn ang="0">
-                <a:pos x="connsiteX13" y="connsiteY13"/>
-              </a:cxn>
-              <a:cxn ang="0">
-                <a:pos x="connsiteX14" y="connsiteY14"/>
-              </a:cxn>
-              <a:cxn ang="0">
-                <a:pos x="connsiteX15" y="connsiteY15"/>
-              </a:cxn>
-              <a:cxn ang="0">
-                <a:pos x="connsiteX16" y="connsiteY16"/>
-              </a:cxn>
-              <a:cxn ang="0">
-                <a:pos x="connsiteX17" y="connsiteY17"/>
-              </a:cxn>
-              <a:cxn ang="0">
-                <a:pos x="connsiteX18" y="connsiteY18"/>
-              </a:cxn>
-              <a:cxn ang="0">
-                <a:pos x="connsiteX19" y="connsiteY19"/>
-              </a:cxn>
-              <a:cxn ang="0">
-                <a:pos x="connsiteX20" y="connsiteY20"/>
-              </a:cxn>
-              <a:cxn ang="0">
-                <a:pos x="connsiteX21" y="connsiteY21"/>
-              </a:cxn>
-              <a:cxn ang="0">
-                <a:pos x="connsiteX22" y="connsiteY22"/>
-              </a:cxn>
-              <a:cxn ang="0">
-                <a:pos x="connsiteX23" y="connsiteY23"/>
-              </a:cxn>
-              <a:cxn ang="0">
-                <a:pos x="connsiteX24" y="connsiteY24"/>
-              </a:cxn>
-              <a:cxn ang="0">
-                <a:pos x="connsiteX25" y="connsiteY25"/>
-              </a:cxn>
-              <a:cxn ang="0">
-                <a:pos x="connsiteX26" y="connsiteY26"/>
-              </a:cxn>
-              <a:cxn ang="0">
-                <a:pos x="connsiteX27" y="connsiteY27"/>
-              </a:cxn>
-              <a:cxn ang="0">
-                <a:pos x="connsiteX28" y="connsiteY28"/>
-              </a:cxn>
-              <a:cxn ang="0">
-                <a:pos x="connsiteX29" y="connsiteY29"/>
-              </a:cxn>
-              <a:cxn ang="0">
-                <a:pos x="connsiteX30" y="connsiteY30"/>
-              </a:cxn>
-              <a:cxn ang="0">
-                <a:pos x="connsiteX31" y="connsiteY31"/>
-              </a:cxn>
-              <a:cxn ang="0">
-                <a:pos x="connsiteX32" y="connsiteY32"/>
-              </a:cxn>
-              <a:cxn ang="0">
-                <a:pos x="connsiteX33" y="connsiteY33"/>
-              </a:cxn>
-              <a:cxn ang="0">
-                <a:pos x="connsiteX34" y="connsiteY34"/>
-              </a:cxn>
-              <a:cxn ang="0">
-                <a:pos x="connsiteX35" y="connsiteY35"/>
-              </a:cxn>
-              <a:cxn ang="0">
-                <a:pos x="connsiteX36" y="connsiteY36"/>
-              </a:cxn>
-            </a:cxnLst>
-            <a:rect l="l" t="t" r="r" b="b"/>
-            <a:pathLst>
-              <a:path w="3472060" h="825932">
-                <a:moveTo>
-                  <a:pt x="3470310" y="0"/>
-                </a:moveTo>
-                <a:lnTo>
-                  <a:pt x="3472060" y="12850"/>
-                </a:lnTo>
-                <a:lnTo>
-                  <a:pt x="3472060" y="480529"/>
-                </a:lnTo>
-                <a:lnTo>
-                  <a:pt x="3363699" y="498471"/>
-                </a:lnTo>
-                <a:cubicBezTo>
-                  <a:pt x="2435623" y="645518"/>
-                  <a:pt x="603076" y="844866"/>
-                  <a:pt x="42060" y="824486"/>
-                </a:cubicBezTo>
-                <a:cubicBezTo>
-                  <a:pt x="28151" y="802425"/>
-                  <a:pt x="13909" y="780513"/>
-                  <a:pt x="0" y="758452"/>
-                </a:cubicBezTo>
-                <a:lnTo>
-                  <a:pt x="188014" y="735602"/>
-                </a:lnTo>
-                <a:lnTo>
-                  <a:pt x="284087" y="722590"/>
-                </a:lnTo>
-                <a:lnTo>
-                  <a:pt x="382288" y="709392"/>
-                </a:lnTo>
-                <a:lnTo>
-                  <a:pt x="481858" y="695774"/>
-                </a:lnTo>
-                <a:lnTo>
-                  <a:pt x="581897" y="680711"/>
-                </a:lnTo>
-                <a:lnTo>
-                  <a:pt x="683670" y="665256"/>
-                </a:lnTo>
-                <a:lnTo>
-                  <a:pt x="787206" y="649587"/>
-                </a:lnTo>
-                <a:lnTo>
-                  <a:pt x="892019" y="632968"/>
-                </a:lnTo>
-                <a:lnTo>
-                  <a:pt x="997620" y="614667"/>
-                </a:lnTo>
-                <a:lnTo>
-                  <a:pt x="1104727" y="596741"/>
-                </a:lnTo>
-                <a:lnTo>
-                  <a:pt x="1212669" y="577397"/>
-                </a:lnTo>
-                <a:lnTo>
-                  <a:pt x="1321506" y="556988"/>
-                </a:lnTo>
-                <a:lnTo>
-                  <a:pt x="1430709" y="536607"/>
-                </a:lnTo>
-                <a:lnTo>
-                  <a:pt x="1541050" y="514481"/>
-                </a:lnTo>
-                <a:lnTo>
-                  <a:pt x="1652805" y="492202"/>
-                </a:lnTo>
-                <a:lnTo>
-                  <a:pt x="1763708" y="469161"/>
-                </a:lnTo>
-                <a:lnTo>
-                  <a:pt x="1875795" y="444641"/>
-                </a:lnTo>
-                <a:lnTo>
-                  <a:pt x="1989128" y="418995"/>
-                </a:lnTo>
-                <a:lnTo>
-                  <a:pt x="2102476" y="393438"/>
-                </a:lnTo>
-                <a:lnTo>
-                  <a:pt x="2215549" y="366291"/>
-                </a:lnTo>
-                <a:lnTo>
-                  <a:pt x="2330490" y="337455"/>
-                </a:lnTo>
-                <a:lnTo>
-                  <a:pt x="2443333" y="308983"/>
-                </a:lnTo>
-                <a:lnTo>
-                  <a:pt x="2558014" y="278646"/>
-                </a:lnTo>
-                <a:lnTo>
-                  <a:pt x="2673621" y="247421"/>
-                </a:lnTo>
-                <a:lnTo>
-                  <a:pt x="2787008" y="215853"/>
-                </a:lnTo>
-                <a:lnTo>
-                  <a:pt x="2901442" y="182011"/>
-                </a:lnTo>
-                <a:lnTo>
-                  <a:pt x="3015722" y="147286"/>
-                </a:lnTo>
-                <a:lnTo>
-                  <a:pt x="3130018" y="112649"/>
-                </a:lnTo>
-                <a:lnTo>
-                  <a:pt x="3243551" y="75688"/>
-                </a:lnTo>
-                <a:lnTo>
-                  <a:pt x="3356992" y="38197"/>
-                </a:lnTo>
-                <a:lnTo>
-                  <a:pt x="3470310" y="0"/>
-                </a:lnTo>
-                <a:close/>
-              </a:path>
-            </a:pathLst>
-          </a:custGeom>
-          <a:solidFill>
-            <a:schemeClr val="bg2">
-              <a:alpha val="20000"/>
-            </a:schemeClr>
-          </a:solidFill>
-          <a:ln>
-            <a:noFill/>
-          </a:ln>
-        </p:spPr>
-        <p:txBody>
-          <a:bodyPr rtlCol="0" anchor="ctr"/>
-          <a:lstStyle/>
-          <a:p>
-            <a:pPr algn="ctr"/>
-            <a:endParaRPr lang="en-US">
-              <a:solidFill>
-                <a:schemeClr val="tx1"/>
-              </a:solidFill>
-            </a:endParaRPr>
-          </a:p>
-        </p:txBody>
-      </p:sp>
       <p:pic>
         <p:nvPicPr>
           <p:cNvPr id="11" name="Picture 10" descr="A hand holding a cell phone&#10;&#10;Description automatically generated">
@@ -13434,204 +13104,6 @@
           <a:effectLst/>
         </p:spPr>
       </p:pic>
-      <p:sp useBgFill="1">
-        <p:nvSpPr>
-          <p:cNvPr id="61" name="Freeform 5">
-            <a:extLst>
-              <a:ext uri="{FF2B5EF4-FFF2-40B4-BE49-F238E27FC236}">
-                <a16:creationId xmlns:a16="http://schemas.microsoft.com/office/drawing/2014/main" id="{BD26E291-370D-448F-BDB9-9A5999D46F05}"/>
-              </a:ext>
-              <a:ext uri="{C183D7F6-B498-43B3-948B-1728B52AA6E4}">
-                <adec:decorative xmlns:adec="http://schemas.microsoft.com/office/drawing/2017/decorative" val="1"/>
-              </a:ext>
-            </a:extLst>
-          </p:cNvPr>
-          <p:cNvSpPr>
-            <a:spLocks noGrp="1" noRot="1" noChangeAspect="1" noMove="1" noResize="1" noEditPoints="1" noAdjustHandles="1" noChangeArrowheads="1" noChangeShapeType="1" noTextEdit="1"/>
-          </p:cNvSpPr>
-          <p:nvPr>
-            <p:extLst>
-              <p:ext uri="{386F3935-93C4-4BCD-93E2-E3B085C9AB24}">
-                <p16:designElem xmlns:p16="http://schemas.microsoft.com/office/powerpoint/2015/main" val="1"/>
-              </p:ext>
-            </p:extLst>
-          </p:nvPr>
-        </p:nvSpPr>
-        <p:spPr bwMode="gray">
-          <a:xfrm>
-            <a:off x="1" y="4055532"/>
-            <a:ext cx="12191695" cy="2802467"/>
-          </a:xfrm>
-          <a:custGeom>
-            <a:avLst/>
-            <a:gdLst/>
-            <a:ahLst/>
-            <a:cxnLst/>
-            <a:rect l="l" t="t" r="r" b="b"/>
-            <a:pathLst>
-              <a:path w="10000" h="8000">
-                <a:moveTo>
-                  <a:pt x="0" y="0"/>
-                </a:moveTo>
-                <a:lnTo>
-                  <a:pt x="0" y="7970"/>
-                </a:lnTo>
-                <a:lnTo>
-                  <a:pt x="10000" y="8000"/>
-                </a:lnTo>
-                <a:lnTo>
-                  <a:pt x="10000" y="7"/>
-                </a:lnTo>
-                <a:lnTo>
-                  <a:pt x="10000" y="7"/>
-                </a:lnTo>
-                <a:lnTo>
-                  <a:pt x="9773" y="156"/>
-                </a:lnTo>
-                <a:lnTo>
-                  <a:pt x="9547" y="298"/>
-                </a:lnTo>
-                <a:lnTo>
-                  <a:pt x="9320" y="437"/>
-                </a:lnTo>
-                <a:lnTo>
-                  <a:pt x="9092" y="556"/>
-                </a:lnTo>
-                <a:lnTo>
-                  <a:pt x="8865" y="676"/>
-                </a:lnTo>
-                <a:lnTo>
-                  <a:pt x="8637" y="788"/>
-                </a:lnTo>
-                <a:lnTo>
-                  <a:pt x="8412" y="884"/>
-                </a:lnTo>
-                <a:lnTo>
-                  <a:pt x="8184" y="975"/>
-                </a:lnTo>
-                <a:lnTo>
-                  <a:pt x="7957" y="1058"/>
-                </a:lnTo>
-                <a:lnTo>
-                  <a:pt x="7734" y="1130"/>
-                </a:lnTo>
-                <a:lnTo>
-                  <a:pt x="7508" y="1202"/>
-                </a:lnTo>
-                <a:lnTo>
-                  <a:pt x="7285" y="1262"/>
-                </a:lnTo>
-                <a:lnTo>
-                  <a:pt x="7062" y="1309"/>
-                </a:lnTo>
-                <a:lnTo>
-                  <a:pt x="6840" y="1358"/>
-                </a:lnTo>
-                <a:lnTo>
-                  <a:pt x="6620" y="1399"/>
-                </a:lnTo>
-                <a:lnTo>
-                  <a:pt x="6402" y="1428"/>
-                </a:lnTo>
-                <a:lnTo>
-                  <a:pt x="6184" y="1453"/>
-                </a:lnTo>
-                <a:lnTo>
-                  <a:pt x="5968" y="1477"/>
-                </a:lnTo>
-                <a:lnTo>
-                  <a:pt x="5755" y="1488"/>
-                </a:lnTo>
-                <a:lnTo>
-                  <a:pt x="5542" y="1500"/>
-                </a:lnTo>
-                <a:lnTo>
-                  <a:pt x="5332" y="1506"/>
-                </a:lnTo>
-                <a:lnTo>
-                  <a:pt x="5124" y="1500"/>
-                </a:lnTo>
-                <a:lnTo>
-                  <a:pt x="4918" y="1500"/>
-                </a:lnTo>
-                <a:lnTo>
-                  <a:pt x="4714" y="1488"/>
-                </a:lnTo>
-                <a:lnTo>
-                  <a:pt x="4514" y="1470"/>
-                </a:lnTo>
-                <a:lnTo>
-                  <a:pt x="4316" y="1453"/>
-                </a:lnTo>
-                <a:lnTo>
-                  <a:pt x="4122" y="1434"/>
-                </a:lnTo>
-                <a:lnTo>
-                  <a:pt x="3929" y="1405"/>
-                </a:lnTo>
-                <a:lnTo>
-                  <a:pt x="3739" y="1374"/>
-                </a:lnTo>
-                <a:lnTo>
-                  <a:pt x="3553" y="1346"/>
-                </a:lnTo>
-                <a:lnTo>
-                  <a:pt x="3190" y="1267"/>
-                </a:lnTo>
-                <a:lnTo>
-                  <a:pt x="2842" y="1183"/>
-                </a:lnTo>
-                <a:lnTo>
-                  <a:pt x="2508" y="1095"/>
-                </a:lnTo>
-                <a:lnTo>
-                  <a:pt x="2192" y="998"/>
-                </a:lnTo>
-                <a:lnTo>
-                  <a:pt x="1890" y="897"/>
-                </a:lnTo>
-                <a:lnTo>
-                  <a:pt x="1610" y="788"/>
-                </a:lnTo>
-                <a:lnTo>
-                  <a:pt x="1347" y="681"/>
-                </a:lnTo>
-                <a:lnTo>
-                  <a:pt x="1105" y="574"/>
-                </a:lnTo>
-                <a:lnTo>
-                  <a:pt x="883" y="473"/>
-                </a:lnTo>
-                <a:lnTo>
-                  <a:pt x="686" y="377"/>
-                </a:lnTo>
-                <a:lnTo>
-                  <a:pt x="508" y="286"/>
-                </a:lnTo>
-                <a:lnTo>
-                  <a:pt x="358" y="210"/>
-                </a:lnTo>
-                <a:lnTo>
-                  <a:pt x="232" y="138"/>
-                </a:lnTo>
-                <a:lnTo>
-                  <a:pt x="59" y="35"/>
-                </a:lnTo>
-                <a:lnTo>
-                  <a:pt x="0" y="0"/>
-                </a:lnTo>
-                <a:lnTo>
-                  <a:pt x="0" y="0"/>
-                </a:lnTo>
-                <a:close/>
-              </a:path>
-            </a:pathLst>
-          </a:custGeom>
-          <a:ln>
-            <a:noFill/>
-          </a:ln>
-        </p:spPr>
-      </p:sp>
       <p:sp>
         <p:nvSpPr>
           <p:cNvPr id="2" name="Title 1">
@@ -13656,7 +13128,7 @@
         </p:spPr>
         <p:txBody>
           <a:bodyPr vert="horz" lIns="91440" tIns="45720" rIns="91440" bIns="45720" rtlCol="0">
-            <a:normAutofit/>
+            <a:normAutofit fontScale="90000"/>
           </a:bodyPr>
           <a:lstStyle/>
           <a:p>
@@ -13666,12 +13138,48 @@
               </a:lnSpc>
             </a:pPr>
             <a:r>
-              <a:rPr lang="en-US" sz="3000" b="0" i="0" kern="1200">
+              <a:rPr lang="en-US" sz="3000" b="0" i="0" kern="1200" dirty="0">
                 <a:latin typeface="+mj-lt"/>
                 <a:ea typeface="+mj-ea"/>
                 <a:cs typeface="+mj-cs"/>
               </a:rPr>
-              <a:t>IOT SMART HOME (Firebot and light automation)</a:t>
+              <a:t>IOT SMART HOME (</a:t>
+            </a:r>
+            <a:r>
+              <a:rPr lang="en-US" sz="3000" b="0" i="0" kern="1200" dirty="0" err="1">
+                <a:latin typeface="+mj-lt"/>
+                <a:ea typeface="+mj-ea"/>
+                <a:cs typeface="+mj-cs"/>
+              </a:rPr>
+              <a:t>Firebot</a:t>
+            </a:r>
+            <a:r>
+              <a:rPr lang="en-US" sz="3000" b="0" i="0" kern="1200" dirty="0">
+                <a:latin typeface="+mj-lt"/>
+                <a:ea typeface="+mj-ea"/>
+                <a:cs typeface="+mj-cs"/>
+              </a:rPr>
+              <a:t> and </a:t>
+            </a:r>
+            <a:r>
+              <a:rPr lang="en-US" sz="3000" dirty="0" smtClean="0"/>
+              <a:t>Device</a:t>
+            </a:r>
+            <a:r>
+              <a:rPr lang="en-US" sz="3000" b="0" i="0" kern="1200" dirty="0" smtClean="0">
+                <a:latin typeface="+mj-lt"/>
+                <a:ea typeface="+mj-ea"/>
+                <a:cs typeface="+mj-cs"/>
+              </a:rPr>
+              <a:t> </a:t>
+            </a:r>
+            <a:r>
+              <a:rPr lang="en-US" sz="3000" b="0" i="0" kern="1200" dirty="0">
+                <a:latin typeface="+mj-lt"/>
+                <a:ea typeface="+mj-ea"/>
+                <a:cs typeface="+mj-cs"/>
+              </a:rPr>
+              <a:t>automation)</a:t>
             </a:r>
           </a:p>
         </p:txBody>
@@ -13710,11 +13218,11 @@
             </a:pPr>
             <a:r>
               <a:rPr lang="en-US" dirty="0"/>
-              <a:t>FARID ,</a:t>
+              <a:t>FARID </a:t>
             </a:r>
             <a:r>
-              <a:rPr lang="en-US" dirty="0" err="1"/>
-              <a:t>Zarin</a:t>
+              <a:rPr lang="en-US" dirty="0" smtClean="0"/>
+              <a:t>, Zarin</a:t>
             </a:r>
             <a:r>
               <a:rPr lang="en-US" dirty="0"/>
@@ -13878,15 +13386,7 @@
             </a:pPr>
             <a:r>
               <a:rPr lang="en-IN" sz="2400" dirty="0"/>
-              <a:t>Sends a text message via </a:t>
-            </a:r>
-            <a:r>
-              <a:rPr lang="en-IN" sz="2400" dirty="0" err="1"/>
-              <a:t>twilio</a:t>
-            </a:r>
-            <a:r>
-              <a:rPr lang="en-IN" sz="2400" dirty="0"/>
-              <a:t> to the home user when a firefighting bot detects fire</a:t>
+              <a:t>Sends a text message via twilio to the home user when a firefighting bot detects fire</a:t>
             </a:r>
           </a:p>
           <a:p>
@@ -14023,12 +13523,14 @@
         </p:nvSpPr>
         <p:spPr>
           <a:xfrm>
-            <a:off x="821638" y="452718"/>
+            <a:off x="821267" y="870730"/>
             <a:ext cx="9229196" cy="739978"/>
           </a:xfrm>
         </p:spPr>
         <p:txBody>
-          <a:bodyPr/>
+          <a:bodyPr>
+            <a:normAutofit fontScale="90000"/>
+          </a:bodyPr>
           <a:lstStyle/>
           <a:p>
             <a:pPr algn="ctr"/>
@@ -14066,7 +13568,7 @@
             <p:ph sz="half" idx="1"/>
             <p:extLst>
               <p:ext uri="{D42A27DB-BD31-4B8C-83A1-F6EECF244321}">
-                <p14:modId xmlns:p14="http://schemas.microsoft.com/office/powerpoint/2010/main" val="2715065975"/>
+                <p14:modId xmlns:p14="http://schemas.microsoft.com/office/powerpoint/2010/main" val="32117991"/>
               </p:ext>
             </p:extLst>
           </p:nvPr>
@@ -14097,7 +13599,7 @@
             <p:ph sz="half" idx="2"/>
             <p:extLst>
               <p:ext uri="{D42A27DB-BD31-4B8C-83A1-F6EECF244321}">
-                <p14:modId xmlns:p14="http://schemas.microsoft.com/office/powerpoint/2010/main" val="2529057080"/>
+                <p14:modId xmlns:p14="http://schemas.microsoft.com/office/powerpoint/2010/main" val="3644992511"/>
               </p:ext>
             </p:extLst>
           </p:nvPr>

--- a/Documentation/IOT-SMART-HOME-Firebot-and-light-automation.pptx
+++ b/Documentation/IOT-SMART-HOME-Firebot-and-light-automation.pptx
@@ -1955,10 +1955,24 @@
     <dgm:pt modelId="{C98B66A3-B538-4755-8E9C-8FBBD957AF3C}" type="pres">
       <dgm:prSet presAssocID="{5119C2EA-ED5B-4414-9879-EDC73AA366F9}" presName="sibTrans" presStyleLbl="sibTrans2D1" presStyleIdx="3" presStyleCnt="4" custAng="14106145" custFlipHor="1" custScaleX="91635" custScaleY="89531" custLinFactX="100000" custLinFactNeighborX="101923" custLinFactNeighborY="2158"/>
       <dgm:spPr/>
+      <dgm:t>
+        <a:bodyPr/>
+        <a:lstStyle/>
+        <a:p>
+          <a:endParaRPr lang="en-US"/>
+        </a:p>
+      </dgm:t>
     </dgm:pt>
     <dgm:pt modelId="{B4BA6359-A867-4DDA-B369-5480781F9223}" type="pres">
       <dgm:prSet presAssocID="{5119C2EA-ED5B-4414-9879-EDC73AA366F9}" presName="connectorText" presStyleLbl="sibTrans2D1" presStyleIdx="3" presStyleCnt="4"/>
       <dgm:spPr/>
+      <dgm:t>
+        <a:bodyPr/>
+        <a:lstStyle/>
+        <a:p>
+          <a:endParaRPr lang="en-US"/>
+        </a:p>
+      </dgm:t>
     </dgm:pt>
     <dgm:pt modelId="{EE8DAAE9-044C-456D-A7E7-47C43183E8FA}" type="pres">
       <dgm:prSet presAssocID="{330425D8-D1F4-45F9-B881-6BA4E8C30549}" presName="node" presStyleLbl="node1" presStyleIdx="4" presStyleCnt="5" custLinFactX="43443" custLinFactNeighborX="100000" custLinFactNeighborY="97">
@@ -13174,12 +13188,24 @@
               <a:t> </a:t>
             </a:r>
             <a:r>
+              <a:rPr lang="en-US" sz="3000" dirty="0"/>
+              <a:t>A</a:t>
+            </a:r>
+            <a:r>
+              <a:rPr lang="en-US" sz="3000" b="0" i="0" kern="1200" dirty="0" smtClean="0">
+                <a:latin typeface="+mj-lt"/>
+                <a:ea typeface="+mj-ea"/>
+                <a:cs typeface="+mj-cs"/>
+              </a:rPr>
+              <a:t>utomation</a:t>
+            </a:r>
+            <a:r>
               <a:rPr lang="en-US" sz="3000" b="0" i="0" kern="1200" dirty="0">
                 <a:latin typeface="+mj-lt"/>
                 <a:ea typeface="+mj-ea"/>
                 <a:cs typeface="+mj-cs"/>
               </a:rPr>
-              <a:t>automation)</a:t>
+              <a:t>)</a:t>
             </a:r>
           </a:p>
         </p:txBody>
@@ -13356,7 +13382,7 @@
         </p:spPr>
         <p:txBody>
           <a:bodyPr>
-            <a:normAutofit/>
+            <a:normAutofit fontScale="92500" lnSpcReduction="10000"/>
           </a:bodyPr>
           <a:lstStyle/>
           <a:p>
@@ -13365,8 +13391,8 @@
               <a:buChar char="Ø"/>
             </a:pPr>
             <a:r>
-              <a:rPr lang="en-IN" sz="2400" dirty="0"/>
-              <a:t>Visualizes and controls the temperature, pressure and humidity of the home from a remote place</a:t>
+              <a:rPr lang="en-US" sz="2400" dirty="0"/>
+              <a:t>Visualization and control of the temperature, pressure and humidity of the home from a remote place.</a:t>
             </a:r>
           </a:p>
           <a:p>
@@ -13375,8 +13401,8 @@
               <a:buChar char="Ø"/>
             </a:pPr>
             <a:r>
-              <a:rPr lang="en-IN" sz="2400" dirty="0"/>
-              <a:t>Sends an email if the temperature, pressure or humidity goes above a certain set value</a:t>
+              <a:rPr lang="en-US" sz="2400" dirty="0"/>
+              <a:t> Sending of an email if the temperature, pressure or humidity goes above a certain set value.</a:t>
             </a:r>
           </a:p>
           <a:p>
@@ -13385,8 +13411,16 @@
               <a:buChar char="Ø"/>
             </a:pPr>
             <a:r>
-              <a:rPr lang="en-IN" sz="2400" dirty="0"/>
-              <a:t>Sends a text message via twilio to the home user when a firefighting bot detects fire</a:t>
+              <a:rPr lang="en-US" sz="2400" dirty="0"/>
+              <a:t>Sensing a fire if there is one and sending a text message via </a:t>
+            </a:r>
+            <a:r>
+              <a:rPr lang="en-US" sz="2400" dirty="0" err="1"/>
+              <a:t>twilio</a:t>
+            </a:r>
+            <a:r>
+              <a:rPr lang="en-US" sz="2400" dirty="0"/>
+              <a:t> to the home owner.</a:t>
             </a:r>
           </a:p>
           <a:p>
@@ -13395,8 +13429,12 @@
               <a:buChar char="Ø"/>
             </a:pPr>
             <a:r>
-              <a:rPr lang="en-IN" sz="2400" dirty="0"/>
-              <a:t>Splashes water to the fire affected areas in the given proximity</a:t>
+              <a:rPr lang="en-US" sz="2400" dirty="0"/>
+              <a:t>Putting out the fire by splashing water to the fire affected areas in the given proximity</a:t>
+            </a:r>
+            <a:r>
+              <a:rPr lang="en-US" sz="2400" dirty="0" smtClean="0"/>
+              <a:t>.</a:t>
             </a:r>
           </a:p>
           <a:p>
@@ -13405,9 +13443,10 @@
               <a:buChar char="Ø"/>
             </a:pPr>
             <a:r>
-              <a:rPr lang="en-IN" sz="2400" dirty="0"/>
-              <a:t>Controls the ac, fans, lights via one button build in MIT app inventor application.</a:t>
+              <a:rPr lang="en-US" sz="2400" dirty="0" smtClean="0"/>
+              <a:t>Making a high pitched sound in case of fire which can warn the nearby people.</a:t>
             </a:r>
+            <a:endParaRPr lang="en-US" sz="2400" dirty="0"/>
           </a:p>
           <a:p>
             <a:pPr>
@@ -13415,9 +13454,20 @@
               <a:buChar char="Ø"/>
             </a:pPr>
             <a:r>
-              <a:rPr lang="en-IN" sz="2400" dirty="0"/>
-              <a:t>Economic and cost effective design for a safe environment at home</a:t>
+              <a:rPr lang="en-US" sz="2400" dirty="0"/>
+              <a:t>Controlling the AC, fans, lights via one button build in MIT app inventor application.</a:t>
             </a:r>
+          </a:p>
+          <a:p>
+            <a:pPr>
+              <a:buFont typeface="Wingdings" panose="05000000000000000000" pitchFamily="2" charset="2"/>
+              <a:buChar char="Ø"/>
+            </a:pPr>
+            <a:r>
+              <a:rPr lang="en-US" sz="2400" dirty="0"/>
+              <a:t>Economic and cost effective design for a safe environment at home.</a:t>
+            </a:r>
+            <a:endParaRPr lang="en-IN" sz="2400" dirty="0"/>
           </a:p>
           <a:p>
             <a:pPr>
@@ -13523,8 +13573,8 @@
         </p:nvSpPr>
         <p:spPr>
           <a:xfrm>
-            <a:off x="821267" y="870730"/>
-            <a:ext cx="9229196" cy="739978"/>
+            <a:off x="973667" y="180447"/>
+            <a:ext cx="9229196" cy="1701361"/>
           </a:xfrm>
         </p:spPr>
         <p:txBody>
@@ -13533,17 +13583,45 @@
           </a:bodyPr>
           <a:lstStyle/>
           <a:p>
-            <a:pPr algn="ctr"/>
+            <a:pPr algn="ctr">
+              <a:lnSpc>
+                <a:spcPct val="150000"/>
+              </a:lnSpc>
+            </a:pPr>
             <a:r>
               <a:rPr lang="en-IN" dirty="0"/>
-              <a:t> Features</a:t>
+              <a:t> </a:t>
+            </a:r>
+            <a:r>
+              <a:rPr lang="en-IN" dirty="0" smtClean="0"/>
+              <a:t>Flow Diagram</a:t>
+            </a:r>
+            <a:r>
+              <a:rPr lang="en-IN" dirty="0"/>
+              <a:t/>
             </a:r>
             <a:br>
               <a:rPr lang="en-IN" dirty="0"/>
             </a:br>
             <a:r>
               <a:rPr lang="en-IN" dirty="0"/>
-              <a:t>Hardware flow      Software flow</a:t>
+              <a:t>Hardware </a:t>
+            </a:r>
+            <a:r>
+              <a:rPr lang="en-IN" dirty="0" smtClean="0"/>
+              <a:t>Flow      </a:t>
+            </a:r>
+            <a:r>
+              <a:rPr lang="en-IN" dirty="0"/>
+              <a:t>Software </a:t>
+            </a:r>
+            <a:r>
+              <a:rPr lang="en-IN" dirty="0" smtClean="0"/>
+              <a:t>Flow</a:t>
+            </a:r>
+            <a:r>
+              <a:rPr lang="en-IN" dirty="0"/>
+              <a:t/>
             </a:r>
             <a:br>
               <a:rPr lang="en-IN" dirty="0"/>
@@ -13754,8 +13832,8 @@
         </p:nvSpPr>
         <p:spPr>
           <a:xfrm>
-            <a:off x="838200" y="365126"/>
-            <a:ext cx="9937652" cy="774562"/>
+            <a:off x="855617" y="190954"/>
+            <a:ext cx="10247812" cy="1258018"/>
           </a:xfrm>
         </p:spPr>
         <p:txBody>
@@ -13764,8 +13842,20 @@
           <a:p>
             <a:pPr algn="ctr"/>
             <a:r>
-              <a:rPr lang="en-IN" dirty="0"/>
-              <a:t>User Interface on MIT app Inventor</a:t>
+              <a:rPr lang="en-IN" sz="3600" dirty="0" smtClean="0"/>
+              <a:t>Fire Fighting Robot &amp; User </a:t>
+            </a:r>
+            <a:r>
+              <a:rPr lang="en-IN" sz="3600" dirty="0"/>
+              <a:t>Interface on MIT </a:t>
+            </a:r>
+            <a:r>
+              <a:rPr lang="en-IN" sz="3600" dirty="0" smtClean="0"/>
+              <a:t>App </a:t>
+            </a:r>
+            <a:r>
+              <a:rPr lang="en-IN" sz="3600" dirty="0"/>
+              <a:t>Inventor</a:t>
             </a:r>
           </a:p>
         </p:txBody>
@@ -13798,7 +13888,7 @@
         </p:blipFill>
         <p:spPr>
           <a:xfrm>
-            <a:off x="2522806" y="1448972"/>
+            <a:off x="4438692" y="1648378"/>
             <a:ext cx="3429000" cy="4799427"/>
           </a:xfrm>
           <a:prstGeom prst="rect">
@@ -13834,7 +13924,7 @@
         </p:blipFill>
         <p:spPr>
           <a:xfrm>
-            <a:off x="6519790" y="1448972"/>
+            <a:off x="8157001" y="1579602"/>
             <a:ext cx="3429000" cy="4799428"/>
           </a:xfrm>
           <a:prstGeom prst="rect">
@@ -13887,6 +13977,36 @@
               </a14:hiddenFill>
             </a:ext>
           </a:extLst>
+        </p:spPr>
+      </p:pic>
+      <p:pic>
+        <p:nvPicPr>
+          <p:cNvPr id="3" name="Picture 2"/>
+          <p:cNvPicPr>
+            <a:picLocks noChangeAspect="1"/>
+          </p:cNvPicPr>
+          <p:nvPr/>
+        </p:nvPicPr>
+        <p:blipFill>
+          <a:blip r:embed="rId5">
+            <a:extLst>
+              <a:ext uri="{28A0092B-C50C-407E-A947-70E740481C1C}">
+                <a14:useLocalDpi xmlns:a14="http://schemas.microsoft.com/office/drawing/2010/main" val="0"/>
+              </a:ext>
+            </a:extLst>
+          </a:blip>
+          <a:stretch>
+            <a:fillRect/>
+          </a:stretch>
+        </p:blipFill>
+        <p:spPr>
+          <a:xfrm>
+            <a:off x="480438" y="1648379"/>
+            <a:ext cx="3547988" cy="4730651"/>
+          </a:xfrm>
+          <a:prstGeom prst="rect">
+            <a:avLst/>
+          </a:prstGeom>
         </p:spPr>
       </p:pic>
     </p:spTree>
@@ -13947,9 +14067,10 @@
           <a:p>
             <a:pPr algn="ctr"/>
             <a:r>
-              <a:rPr lang="en-IN" dirty="0"/>
-              <a:t>Advantages and Demo</a:t>
+              <a:rPr lang="en-IN" dirty="0" smtClean="0"/>
+              <a:t>Advantages</a:t>
             </a:r>
+            <a:endParaRPr lang="en-IN" dirty="0"/>
           </a:p>
         </p:txBody>
       </p:sp>
@@ -13971,8 +14092,8 @@
         </p:nvSpPr>
         <p:spPr>
           <a:xfrm>
-            <a:off x="838200" y="1245704"/>
-            <a:ext cx="10515600" cy="4931259"/>
+            <a:off x="498817" y="1139688"/>
+            <a:ext cx="11101000" cy="1864766"/>
           </a:xfrm>
         </p:spPr>
         <p:txBody>
@@ -13987,7 +14108,19 @@
             </a:pPr>
             <a:r>
               <a:rPr lang="en-IN" sz="2400" dirty="0"/>
-              <a:t>Easy to deploy and cost effective product for smart home</a:t>
+              <a:t>Easy to deploy and cost effective </a:t>
+            </a:r>
+            <a:r>
+              <a:rPr lang="en-IN" sz="2400" dirty="0" smtClean="0"/>
+              <a:t>product (around $80) </a:t>
+            </a:r>
+            <a:r>
+              <a:rPr lang="en-IN" sz="2400" dirty="0"/>
+              <a:t>for smart </a:t>
+            </a:r>
+            <a:r>
+              <a:rPr lang="en-IN" sz="2400" dirty="0" smtClean="0"/>
+              <a:t>home.</a:t>
             </a:r>
           </a:p>
           <a:p>
@@ -13996,9 +14129,14 @@
               <a:buChar char="Ø"/>
             </a:pPr>
             <a:r>
-              <a:rPr lang="en-IN" sz="2400" dirty="0"/>
-              <a:t>Alert reachability to your remote location</a:t>
+              <a:rPr lang="en-IN" sz="2400" dirty="0" smtClean="0"/>
+              <a:t>A low-power design which covers all aspects of a </a:t>
             </a:r>
+            <a:r>
+              <a:rPr lang="en-IN" sz="2400" smtClean="0"/>
+              <a:t>safe home. </a:t>
+            </a:r>
+            <a:endParaRPr lang="en-IN" sz="2400" dirty="0"/>
           </a:p>
           <a:p>
             <a:pPr>
@@ -14006,40 +14144,16 @@
               <a:buChar char="Ø"/>
             </a:pPr>
             <a:r>
-              <a:rPr lang="en-IN" sz="2400" dirty="0" err="1"/>
-              <a:t>Jbkbkj</a:t>
+              <a:rPr lang="en-IN" sz="2400" dirty="0" smtClean="0"/>
+              <a:t>Reachability of the fire fighting robot </a:t>
             </a:r>
-            <a:endParaRPr lang="en-IN" sz="2400" dirty="0"/>
-          </a:p>
-          <a:p>
-            <a:pPr>
-              <a:buFont typeface="Wingdings" panose="05000000000000000000" pitchFamily="2" charset="2"/>
-              <a:buChar char="Ø"/>
-            </a:pPr>
-            <a:r>
-              <a:rPr lang="en-IN" sz="2400" dirty="0" err="1"/>
-              <a:t>Csvsdvvs</a:t>
-            </a:r>
-            <a:endParaRPr lang="en-IN" sz="2400" dirty="0"/>
-          </a:p>
-          <a:p>
-            <a:pPr algn="ctr">
-              <a:buFont typeface="Wingdings" panose="05000000000000000000" pitchFamily="2" charset="2"/>
-              <a:buChar char="Ø"/>
-            </a:pPr>
             <a:r>
               <a:rPr lang="en-IN" sz="2400" dirty="0"/>
-              <a:t>Demo</a:t>
+              <a:t>to </a:t>
             </a:r>
-          </a:p>
-          <a:p>
-            <a:pPr>
-              <a:buFont typeface="Wingdings" panose="05000000000000000000" pitchFamily="2" charset="2"/>
-              <a:buChar char="Ø"/>
-            </a:pPr>
             <a:r>
-              <a:rPr lang="en-IN" sz="2400" dirty="0"/>
-              <a:t>Video link</a:t>
+              <a:rPr lang="en-IN" sz="2400" dirty="0" smtClean="0"/>
+              <a:t>remote location to put out fire.</a:t>
             </a:r>
           </a:p>
         </p:txBody>
@@ -14091,6 +14205,203 @@
           </a:extLst>
         </p:spPr>
       </p:pic>
+      <p:pic>
+        <p:nvPicPr>
+          <p:cNvPr id="5" name="Picture 4"/>
+          <p:cNvPicPr>
+            <a:picLocks noChangeAspect="1"/>
+          </p:cNvPicPr>
+          <p:nvPr/>
+        </p:nvPicPr>
+        <p:blipFill>
+          <a:blip r:embed="rId3">
+            <a:extLst>
+              <a:ext uri="{28A0092B-C50C-407E-A947-70E740481C1C}">
+                <a14:useLocalDpi xmlns:a14="http://schemas.microsoft.com/office/drawing/2010/main" val="0"/>
+              </a:ext>
+            </a:extLst>
+          </a:blip>
+          <a:stretch>
+            <a:fillRect/>
+          </a:stretch>
+        </p:blipFill>
+        <p:spPr>
+          <a:xfrm>
+            <a:off x="5769672" y="3004457"/>
+            <a:ext cx="2119782" cy="3770385"/>
+          </a:xfrm>
+          <a:prstGeom prst="rect">
+            <a:avLst/>
+          </a:prstGeom>
+        </p:spPr>
+      </p:pic>
+      <p:pic>
+        <p:nvPicPr>
+          <p:cNvPr id="6" name="Picture 5"/>
+          <p:cNvPicPr>
+            <a:picLocks noChangeAspect="1"/>
+          </p:cNvPicPr>
+          <p:nvPr/>
+        </p:nvPicPr>
+        <p:blipFill>
+          <a:blip r:embed="rId4" cstate="hqprint">
+            <a:extLst>
+              <a:ext uri="{28A0092B-C50C-407E-A947-70E740481C1C}">
+                <a14:useLocalDpi xmlns:a14="http://schemas.microsoft.com/office/drawing/2010/main" val="0"/>
+              </a:ext>
+            </a:extLst>
+          </a:blip>
+          <a:stretch>
+            <a:fillRect/>
+          </a:stretch>
+        </p:blipFill>
+        <p:spPr>
+          <a:xfrm>
+            <a:off x="7970773" y="3027521"/>
+            <a:ext cx="1873660" cy="3747320"/>
+          </a:xfrm>
+          <a:prstGeom prst="rect">
+            <a:avLst/>
+          </a:prstGeom>
+        </p:spPr>
+      </p:pic>
+      <p:pic>
+        <p:nvPicPr>
+          <p:cNvPr id="7" name="Picture 6"/>
+          <p:cNvPicPr>
+            <a:picLocks noChangeAspect="1"/>
+          </p:cNvPicPr>
+          <p:nvPr/>
+        </p:nvPicPr>
+        <p:blipFill>
+          <a:blip r:embed="rId5">
+            <a:extLst>
+              <a:ext uri="{28A0092B-C50C-407E-A947-70E740481C1C}">
+                <a14:useLocalDpi xmlns:a14="http://schemas.microsoft.com/office/drawing/2010/main" val="0"/>
+              </a:ext>
+            </a:extLst>
+          </a:blip>
+          <a:stretch>
+            <a:fillRect/>
+          </a:stretch>
+        </p:blipFill>
+        <p:spPr>
+          <a:xfrm>
+            <a:off x="9925752" y="3027521"/>
+            <a:ext cx="2106814" cy="3747320"/>
+          </a:xfrm>
+          <a:prstGeom prst="rect">
+            <a:avLst/>
+          </a:prstGeom>
+        </p:spPr>
+      </p:pic>
+      <p:pic>
+        <p:nvPicPr>
+          <p:cNvPr id="8" name="Picture 7"/>
+          <p:cNvPicPr>
+            <a:picLocks noChangeAspect="1"/>
+          </p:cNvPicPr>
+          <p:nvPr/>
+        </p:nvPicPr>
+        <p:blipFill>
+          <a:blip r:embed="rId6">
+            <a:extLst>
+              <a:ext uri="{28A0092B-C50C-407E-A947-70E740481C1C}">
+                <a14:useLocalDpi xmlns:a14="http://schemas.microsoft.com/office/drawing/2010/main" val="0"/>
+              </a:ext>
+            </a:extLst>
+          </a:blip>
+          <a:stretch>
+            <a:fillRect/>
+          </a:stretch>
+        </p:blipFill>
+        <p:spPr>
+          <a:xfrm>
+            <a:off x="3571439" y="3004456"/>
+            <a:ext cx="2116914" cy="3770385"/>
+          </a:xfrm>
+          <a:prstGeom prst="rect">
+            <a:avLst/>
+          </a:prstGeom>
+        </p:spPr>
+      </p:pic>
+      <p:sp>
+        <p:nvSpPr>
+          <p:cNvPr id="11" name="Rectangle 10"/>
+          <p:cNvSpPr/>
+          <p:nvPr/>
+        </p:nvSpPr>
+        <p:spPr>
+          <a:xfrm>
+            <a:off x="489544" y="3004454"/>
+            <a:ext cx="3177021" cy="3913892"/>
+          </a:xfrm>
+          <a:prstGeom prst="rect">
+            <a:avLst/>
+          </a:prstGeom>
+        </p:spPr>
+        <p:txBody>
+          <a:bodyPr wrap="square">
+            <a:spAutoFit/>
+          </a:bodyPr>
+          <a:lstStyle/>
+          <a:p>
+            <a:pPr marL="342900" indent="-342900">
+              <a:spcBef>
+                <a:spcPts val="1000"/>
+              </a:spcBef>
+              <a:buClr>
+                <a:srgbClr val="1E5155">
+                  <a:lumMod val="40000"/>
+                  <a:lumOff val="60000"/>
+                </a:srgbClr>
+              </a:buClr>
+              <a:buSzPct val="80000"/>
+              <a:buFont typeface="Wingdings" panose="05000000000000000000" pitchFamily="2" charset="2"/>
+              <a:buChar char="Ø"/>
+            </a:pPr>
+            <a:r>
+              <a:rPr lang="en-IN" sz="2400" dirty="0"/>
+              <a:t>Possibility of sending text message/ making a call to 911 via node-red. </a:t>
+            </a:r>
+          </a:p>
+          <a:p>
+            <a:pPr marL="342900" lvl="0" indent="-342900">
+              <a:spcBef>
+                <a:spcPts val="1000"/>
+              </a:spcBef>
+              <a:buClr>
+                <a:srgbClr val="1E5155">
+                  <a:lumMod val="40000"/>
+                  <a:lumOff val="60000"/>
+                </a:srgbClr>
+              </a:buClr>
+              <a:buSzPct val="80000"/>
+              <a:buFont typeface="Wingdings" panose="05000000000000000000" pitchFamily="2" charset="2"/>
+              <a:buChar char="Ø"/>
+            </a:pPr>
+            <a:r>
+              <a:rPr lang="en-US" sz="2400" dirty="0" smtClean="0"/>
+              <a:t>Interaction  </a:t>
+            </a:r>
+            <a:r>
+              <a:rPr lang="en-US" sz="2400" dirty="0"/>
+              <a:t>with user using all kinds of communication techniques</a:t>
+            </a:r>
+            <a:r>
+              <a:rPr lang="en-US" sz="2400" dirty="0" smtClean="0"/>
+              <a:t>.</a:t>
+            </a:r>
+            <a:endParaRPr lang="en-IN" sz="2400" dirty="0">
+              <a:solidFill>
+                <a:prstClr val="white"/>
+              </a:solidFill>
+              <a:ea typeface="+mj-ea"/>
+              <a:cs typeface="+mj-cs"/>
+            </a:endParaRPr>
+          </a:p>
+        </p:txBody>
+      </p:sp>
     </p:spTree>
     <p:extLst>
       <p:ext uri="{BB962C8B-B14F-4D97-AF65-F5344CB8AC3E}">
